--- a/Network/URI 입력 시 일어나는 일.pptx
+++ b/Network/URI 입력 시 일어나는 일.pptx
@@ -138,6 +138,9 @@
           </p15:clr>
         </p15:guide>
       </p15:sldGuideLst>
+    </p:ext>
+    <p:ext uri="{2D200454-40CA-4A62-9FC3-DE9A4176ACB9}">
+      <p15:notesGuideLst xmlns:p15="http://schemas.microsoft.com/office/powerpoint/2012/main"/>
     </p:ext>
   </p:extLst>
 </p:presentation>
@@ -4958,13 +4961,13 @@
   <p:clrMapOvr>
     <a:masterClrMapping/>
   </p:clrMapOvr>
-  <mc:AlternateContent xmlns:mc="http://schemas.openxmlformats.org/markup-compatibility/2006">
-    <mc:Choice xmlns:p159="http://schemas.microsoft.com/office/powerpoint/2015/09/main" Requires="p159">
+  <mc:AlternateContent xmlns:mc="http://schemas.openxmlformats.org/markup-compatibility/2006" xmlns:p159="http://schemas.microsoft.com/office/powerpoint/2015/09/main">
+    <mc:Choice Requires="p159">
       <p:transition spd="slow">
         <p159:morph option="byObject"/>
       </p:transition>
     </mc:Choice>
-    <mc:Fallback>
+    <mc:Fallback xmlns="">
       <p:transition spd="slow">
         <p:fade/>
       </p:transition>
@@ -5799,13 +5802,13 @@
   <p:clrMapOvr>
     <a:masterClrMapping/>
   </p:clrMapOvr>
-  <mc:AlternateContent xmlns:mc="http://schemas.openxmlformats.org/markup-compatibility/2006">
-    <mc:Choice xmlns:p159="http://schemas.microsoft.com/office/powerpoint/2015/09/main" Requires="p159">
+  <mc:AlternateContent xmlns:mc="http://schemas.openxmlformats.org/markup-compatibility/2006" xmlns:p159="http://schemas.microsoft.com/office/powerpoint/2015/09/main">
+    <mc:Choice Requires="p159">
       <p:transition spd="slow">
         <p159:morph option="byObject"/>
       </p:transition>
     </mc:Choice>
-    <mc:Fallback>
+    <mc:Fallback xmlns="">
       <p:transition spd="slow">
         <p:fade/>
       </p:transition>
@@ -6632,13 +6635,13 @@
   <p:clrMapOvr>
     <a:masterClrMapping/>
   </p:clrMapOvr>
-  <mc:AlternateContent xmlns:mc="http://schemas.openxmlformats.org/markup-compatibility/2006">
-    <mc:Choice xmlns:p159="http://schemas.microsoft.com/office/powerpoint/2015/09/main" Requires="p159">
+  <mc:AlternateContent xmlns:mc="http://schemas.openxmlformats.org/markup-compatibility/2006" xmlns:p159="http://schemas.microsoft.com/office/powerpoint/2015/09/main">
+    <mc:Choice Requires="p159">
       <p:transition spd="slow">
         <p159:morph option="byObject"/>
       </p:transition>
     </mc:Choice>
-    <mc:Fallback>
+    <mc:Fallback xmlns="">
       <p:transition spd="slow">
         <p:fade/>
       </p:transition>
@@ -7767,13 +7770,13 @@
   <p:clrMapOvr>
     <a:masterClrMapping/>
   </p:clrMapOvr>
-  <mc:AlternateContent xmlns:mc="http://schemas.openxmlformats.org/markup-compatibility/2006">
-    <mc:Choice xmlns:p159="http://schemas.microsoft.com/office/powerpoint/2015/09/main" Requires="p159">
+  <mc:AlternateContent xmlns:mc="http://schemas.openxmlformats.org/markup-compatibility/2006" xmlns:p159="http://schemas.microsoft.com/office/powerpoint/2015/09/main">
+    <mc:Choice Requires="p159">
       <p:transition spd="slow">
         <p159:morph option="byObject"/>
       </p:transition>
     </mc:Choice>
-    <mc:Fallback>
+    <mc:Fallback xmlns="">
       <p:transition spd="slow">
         <p:fade/>
       </p:transition>
@@ -7846,13 +7849,13 @@
   <p:clrMapOvr>
     <a:masterClrMapping/>
   </p:clrMapOvr>
-  <mc:AlternateContent xmlns:mc="http://schemas.openxmlformats.org/markup-compatibility/2006">
-    <mc:Choice xmlns:p159="http://schemas.microsoft.com/office/powerpoint/2015/09/main" Requires="p159">
+  <mc:AlternateContent xmlns:mc="http://schemas.openxmlformats.org/markup-compatibility/2006" xmlns:p159="http://schemas.microsoft.com/office/powerpoint/2015/09/main">
+    <mc:Choice Requires="p159">
       <p:transition spd="slow">
         <p159:morph option="byObject"/>
       </p:transition>
     </mc:Choice>
-    <mc:Fallback>
+    <mc:Fallback xmlns="">
       <p:transition spd="slow">
         <p:fade/>
       </p:transition>
@@ -9532,13 +9535,13 @@
   <p:clrMapOvr>
     <a:masterClrMapping/>
   </p:clrMapOvr>
-  <mc:AlternateContent xmlns:mc="http://schemas.openxmlformats.org/markup-compatibility/2006">
-    <mc:Choice xmlns:p159="http://schemas.microsoft.com/office/powerpoint/2015/09/main" Requires="p159">
+  <mc:AlternateContent xmlns:mc="http://schemas.openxmlformats.org/markup-compatibility/2006" xmlns:p159="http://schemas.microsoft.com/office/powerpoint/2015/09/main">
+    <mc:Choice Requires="p159">
       <p:transition spd="slow">
         <p159:morph option="byObject"/>
       </p:transition>
     </mc:Choice>
-    <mc:Fallback>
+    <mc:Fallback xmlns="">
       <p:transition spd="slow">
         <p:fade/>
       </p:transition>
@@ -10871,13 +10874,13 @@
   <p:clrMapOvr>
     <a:masterClrMapping/>
   </p:clrMapOvr>
-  <mc:AlternateContent xmlns:mc="http://schemas.openxmlformats.org/markup-compatibility/2006">
-    <mc:Choice xmlns:p159="http://schemas.microsoft.com/office/powerpoint/2015/09/main" Requires="p159">
+  <mc:AlternateContent xmlns:mc="http://schemas.openxmlformats.org/markup-compatibility/2006" xmlns:p159="http://schemas.microsoft.com/office/powerpoint/2015/09/main">
+    <mc:Choice Requires="p159">
       <p:transition spd="slow">
         <p159:morph option="byObject"/>
       </p:transition>
     </mc:Choice>
-    <mc:Fallback>
+    <mc:Fallback xmlns="">
       <p:transition spd="slow">
         <p:fade/>
       </p:transition>
@@ -12221,13 +12224,13 @@
   <p:clrMapOvr>
     <a:masterClrMapping/>
   </p:clrMapOvr>
-  <mc:AlternateContent xmlns:mc="http://schemas.openxmlformats.org/markup-compatibility/2006">
-    <mc:Choice xmlns:p159="http://schemas.microsoft.com/office/powerpoint/2015/09/main" Requires="p159">
+  <mc:AlternateContent xmlns:mc="http://schemas.openxmlformats.org/markup-compatibility/2006" xmlns:p159="http://schemas.microsoft.com/office/powerpoint/2015/09/main">
+    <mc:Choice Requires="p159">
       <p:transition spd="slow">
         <p159:morph option="byObject"/>
       </p:transition>
     </mc:Choice>
-    <mc:Fallback>
+    <mc:Fallback xmlns="">
       <p:transition spd="slow">
         <p:fade/>
       </p:transition>
@@ -13135,10 +13138,10 @@
         </p:nvGrpSpPr>
         <p:grpSpPr>
           <a:xfrm>
-            <a:off x="8327923" y="110122"/>
-            <a:ext cx="3539610" cy="2869051"/>
-            <a:chOff x="8327923" y="110123"/>
-            <a:chExt cx="3539610" cy="1127460"/>
+            <a:off x="8327923" y="142978"/>
+            <a:ext cx="3539610" cy="1115551"/>
+            <a:chOff x="8327923" y="-199717"/>
+            <a:chExt cx="3539610" cy="1437300"/>
           </a:xfrm>
         </p:grpSpPr>
         <p:sp>
@@ -13207,7 +13210,7 @@
           </p:nvSpPr>
           <p:spPr>
             <a:xfrm>
-              <a:off x="10701829" y="110123"/>
+              <a:off x="10701829" y="-199717"/>
               <a:ext cx="1165704" cy="369332"/>
             </a:xfrm>
             <a:prstGeom prst="rect">
@@ -13251,13 +13254,13 @@
   <p:clrMapOvr>
     <a:masterClrMapping/>
   </p:clrMapOvr>
-  <mc:AlternateContent xmlns:mc="http://schemas.openxmlformats.org/markup-compatibility/2006">
-    <mc:Choice xmlns:p159="http://schemas.microsoft.com/office/powerpoint/2015/09/main" Requires="p159">
+  <mc:AlternateContent xmlns:mc="http://schemas.openxmlformats.org/markup-compatibility/2006" xmlns:p159="http://schemas.microsoft.com/office/powerpoint/2015/09/main">
+    <mc:Choice Requires="p159">
       <p:transition spd="slow">
         <p159:morph option="byObject"/>
       </p:transition>
     </mc:Choice>
-    <mc:Fallback>
+    <mc:Fallback xmlns="">
       <p:transition spd="slow">
         <p:fade/>
       </p:transition>
@@ -13283,751 +13286,709 @@
           <a:chExt cx="0" cy="0"/>
         </a:xfrm>
       </p:grpSpPr>
-      <p:grpSp>
-        <p:nvGrpSpPr>
-          <p:cNvPr id="26" name="그룹 25">
+      <p:sp>
+        <p:nvSpPr>
+          <p:cNvPr id="3" name="사각형: 둥근 모서리 2">
             <a:extLst>
               <a:ext uri="{FF2B5EF4-FFF2-40B4-BE49-F238E27FC236}">
-                <a16:creationId xmlns:a16="http://schemas.microsoft.com/office/drawing/2014/main" id="{709385F7-4C75-4DA2-1710-56C715787751}"/>
+                <a16:creationId xmlns:a16="http://schemas.microsoft.com/office/drawing/2014/main" id="{CF3BB76B-4CB2-0F7B-AFF3-91484AC946F5}"/>
               </a:ext>
             </a:extLst>
           </p:cNvPr>
-          <p:cNvGrpSpPr/>
+          <p:cNvSpPr/>
           <p:nvPr/>
-        </p:nvGrpSpPr>
-        <p:grpSpPr>
+        </p:nvSpPr>
+        <p:spPr>
           <a:xfrm>
-            <a:off x="8010253" y="592183"/>
-            <a:ext cx="3676650" cy="5729842"/>
-            <a:chOff x="8010253" y="592183"/>
-            <a:chExt cx="3676650" cy="5729842"/>
+            <a:off x="8499566" y="5817323"/>
+            <a:ext cx="3187337" cy="504702"/>
           </a:xfrm>
-        </p:grpSpPr>
-        <p:grpSp>
-          <p:nvGrpSpPr>
-            <p:cNvPr id="25" name="그룹 24">
-              <a:extLst>
-                <a:ext uri="{FF2B5EF4-FFF2-40B4-BE49-F238E27FC236}">
-                  <a16:creationId xmlns:a16="http://schemas.microsoft.com/office/drawing/2014/main" id="{59633CF2-F1E4-9CBF-6BDB-CE7D0553D00F}"/>
-                </a:ext>
-              </a:extLst>
-            </p:cNvPr>
-            <p:cNvGrpSpPr/>
-            <p:nvPr/>
-          </p:nvGrpSpPr>
-          <p:grpSpPr>
-            <a:xfrm>
-              <a:off x="8499566" y="592183"/>
-              <a:ext cx="3187337" cy="5729842"/>
-              <a:chOff x="8499566" y="592183"/>
-              <a:chExt cx="3187337" cy="5729842"/>
-            </a:xfrm>
-          </p:grpSpPr>
-          <p:sp>
-            <p:nvSpPr>
-              <p:cNvPr id="3" name="사각형: 둥근 모서리 2">
-                <a:extLst>
-                  <a:ext uri="{FF2B5EF4-FFF2-40B4-BE49-F238E27FC236}">
-                    <a16:creationId xmlns:a16="http://schemas.microsoft.com/office/drawing/2014/main" id="{CF3BB76B-4CB2-0F7B-AFF3-91484AC946F5}"/>
-                  </a:ext>
-                </a:extLst>
-              </p:cNvPr>
-              <p:cNvSpPr/>
-              <p:nvPr/>
-            </p:nvSpPr>
-            <p:spPr>
-              <a:xfrm>
-                <a:off x="8499566" y="5817323"/>
-                <a:ext cx="3187337" cy="504702"/>
-              </a:xfrm>
-              <a:prstGeom prst="roundRect">
-                <a:avLst/>
-              </a:prstGeom>
+          <a:prstGeom prst="roundRect">
+            <a:avLst/>
+          </a:prstGeom>
+          <a:solidFill>
+            <a:srgbClr val="FAC0F8"/>
+          </a:solidFill>
+          <a:ln>
+            <a:noFill/>
+          </a:ln>
+          <a:effectLst>
+            <a:outerShdw blurRad="50800" dist="38100" dir="2700000" algn="tl" rotWithShape="0">
+              <a:prstClr val="black">
+                <a:alpha val="40000"/>
+              </a:prstClr>
+            </a:outerShdw>
+          </a:effectLst>
+        </p:spPr>
+        <p:style>
+          <a:lnRef idx="2">
+            <a:schemeClr val="accent1">
+              <a:shade val="50000"/>
+            </a:schemeClr>
+          </a:lnRef>
+          <a:fillRef idx="1">
+            <a:schemeClr val="accent1"/>
+          </a:fillRef>
+          <a:effectRef idx="0">
+            <a:schemeClr val="accent1"/>
+          </a:effectRef>
+          <a:fontRef idx="minor">
+            <a:schemeClr val="lt1"/>
+          </a:fontRef>
+        </p:style>
+        <p:txBody>
+          <a:bodyPr rtlCol="0" anchor="ctr"/>
+          <a:lstStyle/>
+          <a:p>
+            <a:pPr algn="ctr"/>
+            <a:r>
+              <a:rPr lang="ko-KR" altLang="en-US" sz="1600" dirty="0">
+                <a:solidFill>
+                  <a:schemeClr val="tx1">
+                    <a:lumMod val="85000"/>
+                    <a:lumOff val="15000"/>
+                  </a:schemeClr>
+                </a:solidFill>
+                <a:latin typeface="Sandoll 초록우산어린이" panose="020B0600000101010101" pitchFamily="34" charset="-127"/>
+                <a:ea typeface="Sandoll 초록우산어린이" panose="020B0600000101010101" pitchFamily="34" charset="-127"/>
+              </a:rPr>
+              <a:t>물리 계층 </a:t>
+            </a:r>
+            <a:r>
+              <a:rPr lang="en-US" altLang="ko-KR" sz="1600" dirty="0">
+                <a:solidFill>
+                  <a:schemeClr val="tx1">
+                    <a:lumMod val="85000"/>
+                    <a:lumOff val="15000"/>
+                  </a:schemeClr>
+                </a:solidFill>
+                <a:latin typeface="Sandoll 초록우산어린이" panose="020B0600000101010101" pitchFamily="34" charset="-127"/>
+                <a:ea typeface="Sandoll 초록우산어린이" panose="020B0600000101010101" pitchFamily="34" charset="-127"/>
+              </a:rPr>
+              <a:t>(Physical Layer)</a:t>
+            </a:r>
+            <a:endParaRPr lang="ko-KR" altLang="en-US" sz="1600" dirty="0">
               <a:solidFill>
-                <a:srgbClr val="FAC0F8"/>
-              </a:solidFill>
-              <a:ln>
-                <a:noFill/>
-              </a:ln>
-              <a:effectLst>
-                <a:outerShdw blurRad="50800" dist="38100" dir="2700000" algn="tl" rotWithShape="0">
-                  <a:prstClr val="black">
-                    <a:alpha val="40000"/>
-                  </a:prstClr>
-                </a:outerShdw>
-              </a:effectLst>
-            </p:spPr>
-            <p:style>
-              <a:lnRef idx="2">
-                <a:schemeClr val="accent1">
-                  <a:shade val="50000"/>
-                </a:schemeClr>
-              </a:lnRef>
-              <a:fillRef idx="1">
-                <a:schemeClr val="accent1"/>
-              </a:fillRef>
-              <a:effectRef idx="0">
-                <a:schemeClr val="accent1"/>
-              </a:effectRef>
-              <a:fontRef idx="minor">
-                <a:schemeClr val="lt1"/>
-              </a:fontRef>
-            </p:style>
-            <p:txBody>
-              <a:bodyPr rtlCol="0" anchor="ctr"/>
-              <a:lstStyle/>
-              <a:p>
-                <a:pPr algn="ctr"/>
-                <a:r>
-                  <a:rPr lang="ko-KR" altLang="en-US" sz="1600" dirty="0">
-                    <a:solidFill>
-                      <a:schemeClr val="tx1">
-                        <a:lumMod val="85000"/>
-                        <a:lumOff val="15000"/>
-                      </a:schemeClr>
-                    </a:solidFill>
-                    <a:latin typeface="Sandoll 초록우산어린이" panose="020B0600000101010101" pitchFamily="34" charset="-127"/>
-                    <a:ea typeface="Sandoll 초록우산어린이" panose="020B0600000101010101" pitchFamily="34" charset="-127"/>
-                  </a:rPr>
-                  <a:t>물리 계층 </a:t>
-                </a:r>
-                <a:r>
-                  <a:rPr lang="en-US" altLang="ko-KR" sz="1600" dirty="0">
-                    <a:solidFill>
-                      <a:schemeClr val="tx1">
-                        <a:lumMod val="85000"/>
-                        <a:lumOff val="15000"/>
-                      </a:schemeClr>
-                    </a:solidFill>
-                    <a:latin typeface="Sandoll 초록우산어린이" panose="020B0600000101010101" pitchFamily="34" charset="-127"/>
-                    <a:ea typeface="Sandoll 초록우산어린이" panose="020B0600000101010101" pitchFamily="34" charset="-127"/>
-                  </a:rPr>
-                  <a:t>(Physical Layer)</a:t>
-                </a:r>
-                <a:endParaRPr lang="ko-KR" altLang="en-US" sz="1600" dirty="0">
-                  <a:solidFill>
-                    <a:schemeClr val="tx1">
-                      <a:lumMod val="85000"/>
-                      <a:lumOff val="15000"/>
-                    </a:schemeClr>
-                  </a:solidFill>
-                  <a:latin typeface="Sandoll 초록우산어린이" panose="020B0600000101010101" pitchFamily="34" charset="-127"/>
-                  <a:ea typeface="Sandoll 초록우산어린이" panose="020B0600000101010101" pitchFamily="34" charset="-127"/>
-                </a:endParaRPr>
-              </a:p>
-            </p:txBody>
-          </p:sp>
-          <p:sp>
-            <p:nvSpPr>
-              <p:cNvPr id="6" name="사각형: 둥근 모서리 5">
-                <a:extLst>
-                  <a:ext uri="{FF2B5EF4-FFF2-40B4-BE49-F238E27FC236}">
-                    <a16:creationId xmlns:a16="http://schemas.microsoft.com/office/drawing/2014/main" id="{B35EE90E-B922-EA89-CF4F-E92F6B0FDBBE}"/>
-                  </a:ext>
-                </a:extLst>
-              </p:cNvPr>
-              <p:cNvSpPr/>
-              <p:nvPr/>
-            </p:nvSpPr>
-            <p:spPr>
-              <a:xfrm>
-                <a:off x="8499566" y="4946468"/>
-                <a:ext cx="3187337" cy="504702"/>
-              </a:xfrm>
-              <a:prstGeom prst="roundRect">
-                <a:avLst/>
-              </a:prstGeom>
-              <a:solidFill>
-                <a:srgbClr val="D6AEF8"/>
-              </a:solidFill>
-              <a:ln>
-                <a:noFill/>
-              </a:ln>
-              <a:effectLst>
-                <a:outerShdw blurRad="50800" dist="38100" dir="2700000" algn="tl" rotWithShape="0">
-                  <a:prstClr val="black">
-                    <a:alpha val="40000"/>
-                  </a:prstClr>
-                </a:outerShdw>
-              </a:effectLst>
-            </p:spPr>
-            <p:style>
-              <a:lnRef idx="2">
-                <a:schemeClr val="accent1">
-                  <a:shade val="50000"/>
-                </a:schemeClr>
-              </a:lnRef>
-              <a:fillRef idx="1">
-                <a:schemeClr val="accent1"/>
-              </a:fillRef>
-              <a:effectRef idx="0">
-                <a:schemeClr val="accent1"/>
-              </a:effectRef>
-              <a:fontRef idx="minor">
-                <a:schemeClr val="lt1"/>
-              </a:fontRef>
-            </p:style>
-            <p:txBody>
-              <a:bodyPr rtlCol="0" anchor="ctr"/>
-              <a:lstStyle/>
-              <a:p>
-                <a:pPr algn="ctr"/>
-                <a:r>
-                  <a:rPr lang="ko-KR" altLang="en-US" sz="1600" dirty="0">
-                    <a:solidFill>
-                      <a:schemeClr val="tx1">
-                        <a:lumMod val="85000"/>
-                        <a:lumOff val="15000"/>
-                      </a:schemeClr>
-                    </a:solidFill>
-                    <a:latin typeface="Sandoll 초록우산어린이" panose="020B0600000101010101" pitchFamily="34" charset="-127"/>
-                    <a:ea typeface="Sandoll 초록우산어린이" panose="020B0600000101010101" pitchFamily="34" charset="-127"/>
-                  </a:rPr>
-                  <a:t>데이터링크 계층 </a:t>
-                </a:r>
-                <a:r>
-                  <a:rPr lang="en-US" altLang="ko-KR" sz="1600" dirty="0">
-                    <a:solidFill>
-                      <a:schemeClr val="tx1">
-                        <a:lumMod val="85000"/>
-                        <a:lumOff val="15000"/>
-                      </a:schemeClr>
-                    </a:solidFill>
-                    <a:latin typeface="Sandoll 초록우산어린이" panose="020B0600000101010101" pitchFamily="34" charset="-127"/>
-                    <a:ea typeface="Sandoll 초록우산어린이" panose="020B0600000101010101" pitchFamily="34" charset="-127"/>
-                  </a:rPr>
-                  <a:t>(Datalink Layer)</a:t>
-                </a:r>
-                <a:endParaRPr lang="ko-KR" altLang="en-US" sz="1600" dirty="0">
-                  <a:solidFill>
-                    <a:schemeClr val="tx1">
-                      <a:lumMod val="85000"/>
-                      <a:lumOff val="15000"/>
-                    </a:schemeClr>
-                  </a:solidFill>
-                  <a:latin typeface="Sandoll 초록우산어린이" panose="020B0600000101010101" pitchFamily="34" charset="-127"/>
-                  <a:ea typeface="Sandoll 초록우산어린이" panose="020B0600000101010101" pitchFamily="34" charset="-127"/>
-                </a:endParaRPr>
-              </a:p>
-            </p:txBody>
-          </p:sp>
-          <p:sp>
-            <p:nvSpPr>
-              <p:cNvPr id="8" name="사각형: 둥근 모서리 7">
-                <a:extLst>
-                  <a:ext uri="{FF2B5EF4-FFF2-40B4-BE49-F238E27FC236}">
-                    <a16:creationId xmlns:a16="http://schemas.microsoft.com/office/drawing/2014/main" id="{264300FC-DFAE-BE9E-8C48-9A9048D2311A}"/>
-                  </a:ext>
-                </a:extLst>
-              </p:cNvPr>
-              <p:cNvSpPr/>
-              <p:nvPr/>
-            </p:nvSpPr>
-            <p:spPr>
-              <a:xfrm>
-                <a:off x="8499566" y="4075611"/>
-                <a:ext cx="3187337" cy="504702"/>
-              </a:xfrm>
-              <a:prstGeom prst="roundRect">
-                <a:avLst/>
-              </a:prstGeom>
-              <a:solidFill>
-                <a:srgbClr val="B3D2FF"/>
-              </a:solidFill>
-              <a:ln>
-                <a:noFill/>
-              </a:ln>
-              <a:effectLst>
-                <a:outerShdw blurRad="50800" dist="38100" dir="2700000" algn="tl" rotWithShape="0">
-                  <a:prstClr val="black">
-                    <a:alpha val="40000"/>
-                  </a:prstClr>
-                </a:outerShdw>
-              </a:effectLst>
-            </p:spPr>
-            <p:style>
-              <a:lnRef idx="2">
-                <a:schemeClr val="accent1">
-                  <a:shade val="50000"/>
-                </a:schemeClr>
-              </a:lnRef>
-              <a:fillRef idx="1">
-                <a:schemeClr val="accent1"/>
-              </a:fillRef>
-              <a:effectRef idx="0">
-                <a:schemeClr val="accent1"/>
-              </a:effectRef>
-              <a:fontRef idx="minor">
-                <a:schemeClr val="lt1"/>
-              </a:fontRef>
-            </p:style>
-            <p:txBody>
-              <a:bodyPr rtlCol="0" anchor="ctr"/>
-              <a:lstStyle/>
-              <a:p>
-                <a:pPr algn="ctr"/>
-                <a:r>
-                  <a:rPr lang="ko-KR" altLang="en-US" sz="1600" dirty="0">
-                    <a:solidFill>
-                      <a:schemeClr val="tx1">
-                        <a:lumMod val="85000"/>
-                        <a:lumOff val="15000"/>
-                      </a:schemeClr>
-                    </a:solidFill>
-                    <a:latin typeface="Sandoll 초록우산어린이" panose="020B0600000101010101" pitchFamily="34" charset="-127"/>
-                    <a:ea typeface="Sandoll 초록우산어린이" panose="020B0600000101010101" pitchFamily="34" charset="-127"/>
-                  </a:rPr>
-                  <a:t>네트워크 계층 </a:t>
-                </a:r>
-                <a:r>
-                  <a:rPr lang="en-US" altLang="ko-KR" sz="1600" dirty="0">
-                    <a:solidFill>
-                      <a:schemeClr val="tx1">
-                        <a:lumMod val="85000"/>
-                        <a:lumOff val="15000"/>
-                      </a:schemeClr>
-                    </a:solidFill>
-                    <a:latin typeface="Sandoll 초록우산어린이" panose="020B0600000101010101" pitchFamily="34" charset="-127"/>
-                    <a:ea typeface="Sandoll 초록우산어린이" panose="020B0600000101010101" pitchFamily="34" charset="-127"/>
-                  </a:rPr>
-                  <a:t>(Network Layer)</a:t>
-                </a:r>
-                <a:endParaRPr lang="ko-KR" altLang="en-US" sz="1600" dirty="0">
-                  <a:solidFill>
-                    <a:schemeClr val="tx1">
-                      <a:lumMod val="85000"/>
-                      <a:lumOff val="15000"/>
-                    </a:schemeClr>
-                  </a:solidFill>
-                  <a:latin typeface="Sandoll 초록우산어린이" panose="020B0600000101010101" pitchFamily="34" charset="-127"/>
-                  <a:ea typeface="Sandoll 초록우산어린이" panose="020B0600000101010101" pitchFamily="34" charset="-127"/>
-                </a:endParaRPr>
-              </a:p>
-            </p:txBody>
-          </p:sp>
-          <p:sp>
-            <p:nvSpPr>
-              <p:cNvPr id="10" name="사각형: 둥근 모서리 9">
-                <a:extLst>
-                  <a:ext uri="{FF2B5EF4-FFF2-40B4-BE49-F238E27FC236}">
-                    <a16:creationId xmlns:a16="http://schemas.microsoft.com/office/drawing/2014/main" id="{AC0789DC-16F3-D14E-6142-16D0BB32D032}"/>
-                  </a:ext>
-                </a:extLst>
-              </p:cNvPr>
-              <p:cNvSpPr/>
-              <p:nvPr/>
-            </p:nvSpPr>
-            <p:spPr>
-              <a:xfrm>
-                <a:off x="8499566" y="3204754"/>
-                <a:ext cx="3187337" cy="504702"/>
-              </a:xfrm>
-              <a:prstGeom prst="roundRect">
-                <a:avLst/>
-              </a:prstGeom>
-              <a:solidFill>
-                <a:srgbClr val="B9FBCF"/>
-              </a:solidFill>
-              <a:ln>
-                <a:noFill/>
-              </a:ln>
-              <a:effectLst>
-                <a:outerShdw blurRad="50800" dist="38100" dir="2700000" algn="tl" rotWithShape="0">
-                  <a:prstClr val="black">
-                    <a:alpha val="40000"/>
-                  </a:prstClr>
-                </a:outerShdw>
-              </a:effectLst>
-            </p:spPr>
-            <p:style>
-              <a:lnRef idx="2">
-                <a:schemeClr val="accent1">
-                  <a:shade val="50000"/>
-                </a:schemeClr>
-              </a:lnRef>
-              <a:fillRef idx="1">
-                <a:schemeClr val="accent1"/>
-              </a:fillRef>
-              <a:effectRef idx="0">
-                <a:schemeClr val="accent1"/>
-              </a:effectRef>
-              <a:fontRef idx="minor">
-                <a:schemeClr val="lt1"/>
-              </a:fontRef>
-            </p:style>
-            <p:txBody>
-              <a:bodyPr rtlCol="0" anchor="ctr"/>
-              <a:lstStyle/>
-              <a:p>
-                <a:pPr algn="ctr"/>
-                <a:r>
-                  <a:rPr lang="ko-KR" altLang="en-US" sz="1600" dirty="0">
-                    <a:solidFill>
-                      <a:schemeClr val="tx1">
-                        <a:lumMod val="85000"/>
-                        <a:lumOff val="15000"/>
-                      </a:schemeClr>
-                    </a:solidFill>
-                    <a:latin typeface="Sandoll 초록우산어린이" panose="020B0600000101010101" pitchFamily="34" charset="-127"/>
-                    <a:ea typeface="Sandoll 초록우산어린이" panose="020B0600000101010101" pitchFamily="34" charset="-127"/>
-                  </a:rPr>
-                  <a:t>전송 계층 </a:t>
-                </a:r>
-                <a:r>
-                  <a:rPr lang="en-US" altLang="ko-KR" sz="1600" dirty="0">
-                    <a:solidFill>
-                      <a:schemeClr val="tx1">
-                        <a:lumMod val="85000"/>
-                        <a:lumOff val="15000"/>
-                      </a:schemeClr>
-                    </a:solidFill>
-                    <a:latin typeface="Sandoll 초록우산어린이" panose="020B0600000101010101" pitchFamily="34" charset="-127"/>
-                    <a:ea typeface="Sandoll 초록우산어린이" panose="020B0600000101010101" pitchFamily="34" charset="-127"/>
-                  </a:rPr>
-                  <a:t>(Transport Layer)</a:t>
-                </a:r>
-                <a:endParaRPr lang="ko-KR" altLang="en-US" sz="1600" dirty="0">
-                  <a:solidFill>
-                    <a:schemeClr val="tx1">
-                      <a:lumMod val="85000"/>
-                      <a:lumOff val="15000"/>
-                    </a:schemeClr>
-                  </a:solidFill>
-                  <a:latin typeface="Sandoll 초록우산어린이" panose="020B0600000101010101" pitchFamily="34" charset="-127"/>
-                  <a:ea typeface="Sandoll 초록우산어린이" panose="020B0600000101010101" pitchFamily="34" charset="-127"/>
-                </a:endParaRPr>
-              </a:p>
-            </p:txBody>
-          </p:sp>
-          <p:sp>
-            <p:nvSpPr>
-              <p:cNvPr id="12" name="사각형: 둥근 모서리 11">
-                <a:extLst>
-                  <a:ext uri="{FF2B5EF4-FFF2-40B4-BE49-F238E27FC236}">
-                    <a16:creationId xmlns:a16="http://schemas.microsoft.com/office/drawing/2014/main" id="{E4A56326-1FE5-6227-45FB-9B665B7848BC}"/>
-                  </a:ext>
-                </a:extLst>
-              </p:cNvPr>
-              <p:cNvSpPr/>
-              <p:nvPr/>
-            </p:nvSpPr>
-            <p:spPr>
-              <a:xfrm>
-                <a:off x="8499566" y="2333897"/>
-                <a:ext cx="3187337" cy="504702"/>
-              </a:xfrm>
-              <a:prstGeom prst="roundRect">
-                <a:avLst/>
-              </a:prstGeom>
-              <a:solidFill>
-                <a:srgbClr val="FCFCBF"/>
-              </a:solidFill>
-              <a:ln>
-                <a:noFill/>
-              </a:ln>
-              <a:effectLst>
-                <a:outerShdw blurRad="50800" dist="38100" dir="2700000" algn="tl" rotWithShape="0">
-                  <a:prstClr val="black">
-                    <a:alpha val="40000"/>
-                  </a:prstClr>
-                </a:outerShdw>
-              </a:effectLst>
-            </p:spPr>
-            <p:style>
-              <a:lnRef idx="2">
-                <a:schemeClr val="accent1">
-                  <a:shade val="50000"/>
-                </a:schemeClr>
-              </a:lnRef>
-              <a:fillRef idx="1">
-                <a:schemeClr val="accent1"/>
-              </a:fillRef>
-              <a:effectRef idx="0">
-                <a:schemeClr val="accent1"/>
-              </a:effectRef>
-              <a:fontRef idx="minor">
-                <a:schemeClr val="lt1"/>
-              </a:fontRef>
-            </p:style>
-            <p:txBody>
-              <a:bodyPr rtlCol="0" anchor="ctr"/>
-              <a:lstStyle/>
-              <a:p>
-                <a:pPr algn="ctr"/>
-                <a:r>
-                  <a:rPr lang="ko-KR" altLang="en-US" sz="1600" dirty="0">
-                    <a:solidFill>
-                      <a:schemeClr val="tx1">
-                        <a:lumMod val="85000"/>
-                        <a:lumOff val="15000"/>
-                      </a:schemeClr>
-                    </a:solidFill>
-                    <a:latin typeface="Sandoll 초록우산어린이" panose="020B0600000101010101" pitchFamily="34" charset="-127"/>
-                    <a:ea typeface="Sandoll 초록우산어린이" panose="020B0600000101010101" pitchFamily="34" charset="-127"/>
-                  </a:rPr>
-                  <a:t>세션 계층 </a:t>
-                </a:r>
-                <a:r>
-                  <a:rPr lang="en-US" altLang="ko-KR" sz="1600" dirty="0">
-                    <a:solidFill>
-                      <a:schemeClr val="tx1">
-                        <a:lumMod val="85000"/>
-                        <a:lumOff val="15000"/>
-                      </a:schemeClr>
-                    </a:solidFill>
-                    <a:latin typeface="Sandoll 초록우산어린이" panose="020B0600000101010101" pitchFamily="34" charset="-127"/>
-                    <a:ea typeface="Sandoll 초록우산어린이" panose="020B0600000101010101" pitchFamily="34" charset="-127"/>
-                  </a:rPr>
-                  <a:t>(Session Layer)</a:t>
-                </a:r>
-                <a:endParaRPr lang="ko-KR" altLang="en-US" sz="1600" dirty="0">
-                  <a:solidFill>
-                    <a:schemeClr val="tx1">
-                      <a:lumMod val="85000"/>
-                      <a:lumOff val="15000"/>
-                    </a:schemeClr>
-                  </a:solidFill>
-                  <a:latin typeface="Sandoll 초록우산어린이" panose="020B0600000101010101" pitchFamily="34" charset="-127"/>
-                  <a:ea typeface="Sandoll 초록우산어린이" panose="020B0600000101010101" pitchFamily="34" charset="-127"/>
-                </a:endParaRPr>
-              </a:p>
-            </p:txBody>
-          </p:sp>
-          <p:sp>
-            <p:nvSpPr>
-              <p:cNvPr id="14" name="사각형: 둥근 모서리 13">
-                <a:extLst>
-                  <a:ext uri="{FF2B5EF4-FFF2-40B4-BE49-F238E27FC236}">
-                    <a16:creationId xmlns:a16="http://schemas.microsoft.com/office/drawing/2014/main" id="{78291295-CDCD-712D-6CEB-CA28782DB50F}"/>
-                  </a:ext>
-                </a:extLst>
-              </p:cNvPr>
-              <p:cNvSpPr/>
-              <p:nvPr/>
-            </p:nvSpPr>
-            <p:spPr>
-              <a:xfrm>
-                <a:off x="8499566" y="592183"/>
-                <a:ext cx="3187337" cy="504702"/>
-              </a:xfrm>
-              <a:prstGeom prst="roundRect">
-                <a:avLst/>
-              </a:prstGeom>
-              <a:solidFill>
-                <a:srgbClr val="FAB2B2"/>
-              </a:solidFill>
-              <a:ln>
-                <a:noFill/>
-              </a:ln>
-              <a:effectLst>
-                <a:outerShdw blurRad="50800" dist="38100" dir="2700000" algn="tl" rotWithShape="0">
-                  <a:prstClr val="black">
-                    <a:alpha val="40000"/>
-                  </a:prstClr>
-                </a:outerShdw>
-              </a:effectLst>
-            </p:spPr>
-            <p:style>
-              <a:lnRef idx="2">
-                <a:schemeClr val="accent1">
-                  <a:shade val="50000"/>
-                </a:schemeClr>
-              </a:lnRef>
-              <a:fillRef idx="1">
-                <a:schemeClr val="accent1"/>
-              </a:fillRef>
-              <a:effectRef idx="0">
-                <a:schemeClr val="accent1"/>
-              </a:effectRef>
-              <a:fontRef idx="minor">
-                <a:schemeClr val="lt1"/>
-              </a:fontRef>
-            </p:style>
-            <p:txBody>
-              <a:bodyPr rtlCol="0" anchor="ctr"/>
-              <a:lstStyle/>
-              <a:p>
-                <a:pPr algn="ctr"/>
-                <a:r>
-                  <a:rPr lang="ko-KR" altLang="en-US" sz="1600" dirty="0">
-                    <a:solidFill>
-                      <a:schemeClr val="tx1">
-                        <a:lumMod val="85000"/>
-                        <a:lumOff val="15000"/>
-                      </a:schemeClr>
-                    </a:solidFill>
-                    <a:latin typeface="Sandoll 초록우산어린이" panose="020B0600000101010101" pitchFamily="34" charset="-127"/>
-                    <a:ea typeface="Sandoll 초록우산어린이" panose="020B0600000101010101" pitchFamily="34" charset="-127"/>
-                  </a:rPr>
-                  <a:t>응용 계층 </a:t>
-                </a:r>
-                <a:r>
-                  <a:rPr lang="en-US" altLang="ko-KR" sz="1600" dirty="0">
-                    <a:solidFill>
-                      <a:schemeClr val="tx1">
-                        <a:lumMod val="85000"/>
-                        <a:lumOff val="15000"/>
-                      </a:schemeClr>
-                    </a:solidFill>
-                    <a:latin typeface="Sandoll 초록우산어린이" panose="020B0600000101010101" pitchFamily="34" charset="-127"/>
-                    <a:ea typeface="Sandoll 초록우산어린이" panose="020B0600000101010101" pitchFamily="34" charset="-127"/>
-                  </a:rPr>
-                  <a:t>(Application Layer)</a:t>
-                </a:r>
-                <a:endParaRPr lang="ko-KR" altLang="en-US" sz="1600" dirty="0">
-                  <a:solidFill>
-                    <a:schemeClr val="tx1">
-                      <a:lumMod val="85000"/>
-                      <a:lumOff val="15000"/>
-                    </a:schemeClr>
-                  </a:solidFill>
-                  <a:latin typeface="Sandoll 초록우산어린이" panose="020B0600000101010101" pitchFamily="34" charset="-127"/>
-                  <a:ea typeface="Sandoll 초록우산어린이" panose="020B0600000101010101" pitchFamily="34" charset="-127"/>
-                </a:endParaRPr>
-              </a:p>
-            </p:txBody>
-          </p:sp>
-          <p:sp>
-            <p:nvSpPr>
-              <p:cNvPr id="16" name="사각형: 둥근 모서리 15">
-                <a:extLst>
-                  <a:ext uri="{FF2B5EF4-FFF2-40B4-BE49-F238E27FC236}">
-                    <a16:creationId xmlns:a16="http://schemas.microsoft.com/office/drawing/2014/main" id="{92F5E18A-D637-D260-DC7A-8C627467F45D}"/>
-                  </a:ext>
-                </a:extLst>
-              </p:cNvPr>
-              <p:cNvSpPr/>
-              <p:nvPr/>
-            </p:nvSpPr>
-            <p:spPr>
-              <a:xfrm>
-                <a:off x="8499566" y="1463040"/>
-                <a:ext cx="3187337" cy="504702"/>
-              </a:xfrm>
-              <a:prstGeom prst="roundRect">
-                <a:avLst/>
-              </a:prstGeom>
-              <a:solidFill>
-                <a:srgbClr val="FACEA1"/>
-              </a:solidFill>
-              <a:ln>
-                <a:noFill/>
-              </a:ln>
-              <a:effectLst>
-                <a:outerShdw blurRad="50800" dist="38100" dir="2700000" algn="tl" rotWithShape="0">
-                  <a:prstClr val="black">
-                    <a:alpha val="40000"/>
-                  </a:prstClr>
-                </a:outerShdw>
-              </a:effectLst>
-            </p:spPr>
-            <p:style>
-              <a:lnRef idx="2">
-                <a:schemeClr val="accent1">
-                  <a:shade val="50000"/>
-                </a:schemeClr>
-              </a:lnRef>
-              <a:fillRef idx="1">
-                <a:schemeClr val="accent1"/>
-              </a:fillRef>
-              <a:effectRef idx="0">
-                <a:schemeClr val="accent1"/>
-              </a:effectRef>
-              <a:fontRef idx="minor">
-                <a:schemeClr val="lt1"/>
-              </a:fontRef>
-            </p:style>
-            <p:txBody>
-              <a:bodyPr rtlCol="0" anchor="ctr"/>
-              <a:lstStyle/>
-              <a:p>
-                <a:pPr algn="ctr"/>
-                <a:r>
-                  <a:rPr lang="ko-KR" altLang="en-US" sz="1600" dirty="0">
-                    <a:solidFill>
-                      <a:schemeClr val="tx1">
-                        <a:lumMod val="85000"/>
-                        <a:lumOff val="15000"/>
-                      </a:schemeClr>
-                    </a:solidFill>
-                    <a:latin typeface="Sandoll 초록우산어린이" panose="020B0600000101010101" pitchFamily="34" charset="-127"/>
-                    <a:ea typeface="Sandoll 초록우산어린이" panose="020B0600000101010101" pitchFamily="34" charset="-127"/>
-                  </a:rPr>
-                  <a:t>표현 계층</a:t>
-                </a:r>
-                <a:r>
-                  <a:rPr lang="en-US" altLang="ko-KR" sz="1600" dirty="0">
-                    <a:solidFill>
-                      <a:schemeClr val="tx1">
-                        <a:lumMod val="85000"/>
-                        <a:lumOff val="15000"/>
-                      </a:schemeClr>
-                    </a:solidFill>
-                    <a:latin typeface="Sandoll 초록우산어린이" panose="020B0600000101010101" pitchFamily="34" charset="-127"/>
-                    <a:ea typeface="Sandoll 초록우산어린이" panose="020B0600000101010101" pitchFamily="34" charset="-127"/>
-                  </a:rPr>
-                  <a:t> (Presentation Layer)</a:t>
-                </a:r>
-                <a:endParaRPr lang="ko-KR" altLang="en-US" sz="1600" dirty="0">
-                  <a:solidFill>
-                    <a:schemeClr val="tx1">
-                      <a:lumMod val="85000"/>
-                      <a:lumOff val="15000"/>
-                    </a:schemeClr>
-                  </a:solidFill>
-                  <a:latin typeface="Sandoll 초록우산어린이" panose="020B0600000101010101" pitchFamily="34" charset="-127"/>
-                  <a:ea typeface="Sandoll 초록우산어린이" panose="020B0600000101010101" pitchFamily="34" charset="-127"/>
-                </a:endParaRPr>
-              </a:p>
-            </p:txBody>
-          </p:sp>
-        </p:grpSp>
-        <p:cxnSp>
-          <p:nvCxnSpPr>
-            <p:cNvPr id="18" name="직선 연결선 17">
-              <a:extLst>
-                <a:ext uri="{FF2B5EF4-FFF2-40B4-BE49-F238E27FC236}">
-                  <a16:creationId xmlns:a16="http://schemas.microsoft.com/office/drawing/2014/main" id="{93AED57E-DA7C-DCC3-5F38-BFDB8CD06281}"/>
-                </a:ext>
-              </a:extLst>
-            </p:cNvPr>
-            <p:cNvCxnSpPr>
-              <a:cxnSpLocks/>
-            </p:cNvCxnSpPr>
-            <p:nvPr/>
-          </p:nvCxnSpPr>
-          <p:spPr>
-            <a:xfrm flipV="1">
-              <a:off x="8010253" y="1589735"/>
-              <a:ext cx="0" cy="4239441"/>
-            </a:xfrm>
-            <a:prstGeom prst="line">
-              <a:avLst/>
-            </a:prstGeom>
-            <a:ln w="38100" cap="rnd">
-              <a:solidFill>
-                <a:schemeClr val="bg1">
-                  <a:lumMod val="95000"/>
+                <a:schemeClr val="tx1">
+                  <a:lumMod val="85000"/>
+                  <a:lumOff val="15000"/>
                 </a:schemeClr>
               </a:solidFill>
-            </a:ln>
-          </p:spPr>
-          <p:style>
-            <a:lnRef idx="1">
-              <a:schemeClr val="accent1"/>
-            </a:lnRef>
-            <a:fillRef idx="0">
-              <a:schemeClr val="accent1"/>
-            </a:fillRef>
-            <a:effectRef idx="0">
-              <a:schemeClr val="accent1"/>
-            </a:effectRef>
-            <a:fontRef idx="minor">
-              <a:schemeClr val="tx1"/>
-            </a:fontRef>
-          </p:style>
-        </p:cxnSp>
-      </p:grpSp>
+              <a:latin typeface="Sandoll 초록우산어린이" panose="020B0600000101010101" pitchFamily="34" charset="-127"/>
+              <a:ea typeface="Sandoll 초록우산어린이" panose="020B0600000101010101" pitchFamily="34" charset="-127"/>
+            </a:endParaRPr>
+          </a:p>
+        </p:txBody>
+      </p:sp>
+      <p:sp>
+        <p:nvSpPr>
+          <p:cNvPr id="6" name="사각형: 둥근 모서리 5">
+            <a:extLst>
+              <a:ext uri="{FF2B5EF4-FFF2-40B4-BE49-F238E27FC236}">
+                <a16:creationId xmlns:a16="http://schemas.microsoft.com/office/drawing/2014/main" id="{B35EE90E-B922-EA89-CF4F-E92F6B0FDBBE}"/>
+              </a:ext>
+            </a:extLst>
+          </p:cNvPr>
+          <p:cNvSpPr/>
+          <p:nvPr/>
+        </p:nvSpPr>
+        <p:spPr>
+          <a:xfrm>
+            <a:off x="8499566" y="4946468"/>
+            <a:ext cx="3187337" cy="504702"/>
+          </a:xfrm>
+          <a:prstGeom prst="roundRect">
+            <a:avLst/>
+          </a:prstGeom>
+          <a:solidFill>
+            <a:srgbClr val="D6AEF8"/>
+          </a:solidFill>
+          <a:ln>
+            <a:noFill/>
+          </a:ln>
+          <a:effectLst>
+            <a:outerShdw blurRad="50800" dist="38100" dir="2700000" algn="tl" rotWithShape="0">
+              <a:prstClr val="black">
+                <a:alpha val="40000"/>
+              </a:prstClr>
+            </a:outerShdw>
+          </a:effectLst>
+        </p:spPr>
+        <p:style>
+          <a:lnRef idx="2">
+            <a:schemeClr val="accent1">
+              <a:shade val="50000"/>
+            </a:schemeClr>
+          </a:lnRef>
+          <a:fillRef idx="1">
+            <a:schemeClr val="accent1"/>
+          </a:fillRef>
+          <a:effectRef idx="0">
+            <a:schemeClr val="accent1"/>
+          </a:effectRef>
+          <a:fontRef idx="minor">
+            <a:schemeClr val="lt1"/>
+          </a:fontRef>
+        </p:style>
+        <p:txBody>
+          <a:bodyPr rtlCol="0" anchor="ctr"/>
+          <a:lstStyle/>
+          <a:p>
+            <a:pPr algn="ctr"/>
+            <a:r>
+              <a:rPr lang="ko-KR" altLang="en-US" sz="1600" dirty="0">
+                <a:solidFill>
+                  <a:schemeClr val="tx1">
+                    <a:lumMod val="85000"/>
+                    <a:lumOff val="15000"/>
+                  </a:schemeClr>
+                </a:solidFill>
+                <a:latin typeface="Sandoll 초록우산어린이" panose="020B0600000101010101" pitchFamily="34" charset="-127"/>
+                <a:ea typeface="Sandoll 초록우산어린이" panose="020B0600000101010101" pitchFamily="34" charset="-127"/>
+              </a:rPr>
+              <a:t>데이터링크 계층 </a:t>
+            </a:r>
+            <a:r>
+              <a:rPr lang="en-US" altLang="ko-KR" sz="1600" dirty="0">
+                <a:solidFill>
+                  <a:schemeClr val="tx1">
+                    <a:lumMod val="85000"/>
+                    <a:lumOff val="15000"/>
+                  </a:schemeClr>
+                </a:solidFill>
+                <a:latin typeface="Sandoll 초록우산어린이" panose="020B0600000101010101" pitchFamily="34" charset="-127"/>
+                <a:ea typeface="Sandoll 초록우산어린이" panose="020B0600000101010101" pitchFamily="34" charset="-127"/>
+              </a:rPr>
+              <a:t>(Datalink Layer)</a:t>
+            </a:r>
+            <a:endParaRPr lang="ko-KR" altLang="en-US" sz="1600" dirty="0">
+              <a:solidFill>
+                <a:schemeClr val="tx1">
+                  <a:lumMod val="85000"/>
+                  <a:lumOff val="15000"/>
+                </a:schemeClr>
+              </a:solidFill>
+              <a:latin typeface="Sandoll 초록우산어린이" panose="020B0600000101010101" pitchFamily="34" charset="-127"/>
+              <a:ea typeface="Sandoll 초록우산어린이" panose="020B0600000101010101" pitchFamily="34" charset="-127"/>
+            </a:endParaRPr>
+          </a:p>
+        </p:txBody>
+      </p:sp>
+      <p:sp>
+        <p:nvSpPr>
+          <p:cNvPr id="8" name="사각형: 둥근 모서리 7">
+            <a:extLst>
+              <a:ext uri="{FF2B5EF4-FFF2-40B4-BE49-F238E27FC236}">
+                <a16:creationId xmlns:a16="http://schemas.microsoft.com/office/drawing/2014/main" id="{264300FC-DFAE-BE9E-8C48-9A9048D2311A}"/>
+              </a:ext>
+            </a:extLst>
+          </p:cNvPr>
+          <p:cNvSpPr/>
+          <p:nvPr/>
+        </p:nvSpPr>
+        <p:spPr>
+          <a:xfrm>
+            <a:off x="8499566" y="4075611"/>
+            <a:ext cx="3187337" cy="504702"/>
+          </a:xfrm>
+          <a:prstGeom prst="roundRect">
+            <a:avLst/>
+          </a:prstGeom>
+          <a:solidFill>
+            <a:srgbClr val="B3D2FF"/>
+          </a:solidFill>
+          <a:ln>
+            <a:noFill/>
+          </a:ln>
+          <a:effectLst>
+            <a:outerShdw blurRad="50800" dist="38100" dir="2700000" algn="tl" rotWithShape="0">
+              <a:prstClr val="black">
+                <a:alpha val="40000"/>
+              </a:prstClr>
+            </a:outerShdw>
+          </a:effectLst>
+        </p:spPr>
+        <p:style>
+          <a:lnRef idx="2">
+            <a:schemeClr val="accent1">
+              <a:shade val="50000"/>
+            </a:schemeClr>
+          </a:lnRef>
+          <a:fillRef idx="1">
+            <a:schemeClr val="accent1"/>
+          </a:fillRef>
+          <a:effectRef idx="0">
+            <a:schemeClr val="accent1"/>
+          </a:effectRef>
+          <a:fontRef idx="minor">
+            <a:schemeClr val="lt1"/>
+          </a:fontRef>
+        </p:style>
+        <p:txBody>
+          <a:bodyPr rtlCol="0" anchor="ctr"/>
+          <a:lstStyle/>
+          <a:p>
+            <a:pPr algn="ctr"/>
+            <a:r>
+              <a:rPr lang="ko-KR" altLang="en-US" sz="1600" dirty="0">
+                <a:solidFill>
+                  <a:schemeClr val="tx1">
+                    <a:lumMod val="85000"/>
+                    <a:lumOff val="15000"/>
+                  </a:schemeClr>
+                </a:solidFill>
+                <a:latin typeface="Sandoll 초록우산어린이" panose="020B0600000101010101" pitchFamily="34" charset="-127"/>
+                <a:ea typeface="Sandoll 초록우산어린이" panose="020B0600000101010101" pitchFamily="34" charset="-127"/>
+              </a:rPr>
+              <a:t>네트워크 계층 </a:t>
+            </a:r>
+            <a:r>
+              <a:rPr lang="en-US" altLang="ko-KR" sz="1600" dirty="0">
+                <a:solidFill>
+                  <a:schemeClr val="tx1">
+                    <a:lumMod val="85000"/>
+                    <a:lumOff val="15000"/>
+                  </a:schemeClr>
+                </a:solidFill>
+                <a:latin typeface="Sandoll 초록우산어린이" panose="020B0600000101010101" pitchFamily="34" charset="-127"/>
+                <a:ea typeface="Sandoll 초록우산어린이" panose="020B0600000101010101" pitchFamily="34" charset="-127"/>
+              </a:rPr>
+              <a:t>(Network Layer)</a:t>
+            </a:r>
+            <a:endParaRPr lang="ko-KR" altLang="en-US" sz="1600" dirty="0">
+              <a:solidFill>
+                <a:schemeClr val="tx1">
+                  <a:lumMod val="85000"/>
+                  <a:lumOff val="15000"/>
+                </a:schemeClr>
+              </a:solidFill>
+              <a:latin typeface="Sandoll 초록우산어린이" panose="020B0600000101010101" pitchFamily="34" charset="-127"/>
+              <a:ea typeface="Sandoll 초록우산어린이" panose="020B0600000101010101" pitchFamily="34" charset="-127"/>
+            </a:endParaRPr>
+          </a:p>
+        </p:txBody>
+      </p:sp>
+      <p:sp>
+        <p:nvSpPr>
+          <p:cNvPr id="10" name="사각형: 둥근 모서리 9">
+            <a:extLst>
+              <a:ext uri="{FF2B5EF4-FFF2-40B4-BE49-F238E27FC236}">
+                <a16:creationId xmlns:a16="http://schemas.microsoft.com/office/drawing/2014/main" id="{AC0789DC-16F3-D14E-6142-16D0BB32D032}"/>
+              </a:ext>
+            </a:extLst>
+          </p:cNvPr>
+          <p:cNvSpPr/>
+          <p:nvPr/>
+        </p:nvSpPr>
+        <p:spPr>
+          <a:xfrm>
+            <a:off x="8499566" y="3204754"/>
+            <a:ext cx="3187337" cy="504702"/>
+          </a:xfrm>
+          <a:prstGeom prst="roundRect">
+            <a:avLst/>
+          </a:prstGeom>
+          <a:solidFill>
+            <a:srgbClr val="B9FBCF"/>
+          </a:solidFill>
+          <a:ln>
+            <a:noFill/>
+          </a:ln>
+          <a:effectLst>
+            <a:outerShdw blurRad="50800" dist="38100" dir="2700000" algn="tl" rotWithShape="0">
+              <a:prstClr val="black">
+                <a:alpha val="40000"/>
+              </a:prstClr>
+            </a:outerShdw>
+          </a:effectLst>
+        </p:spPr>
+        <p:style>
+          <a:lnRef idx="2">
+            <a:schemeClr val="accent1">
+              <a:shade val="50000"/>
+            </a:schemeClr>
+          </a:lnRef>
+          <a:fillRef idx="1">
+            <a:schemeClr val="accent1"/>
+          </a:fillRef>
+          <a:effectRef idx="0">
+            <a:schemeClr val="accent1"/>
+          </a:effectRef>
+          <a:fontRef idx="minor">
+            <a:schemeClr val="lt1"/>
+          </a:fontRef>
+        </p:style>
+        <p:txBody>
+          <a:bodyPr rtlCol="0" anchor="ctr"/>
+          <a:lstStyle/>
+          <a:p>
+            <a:pPr algn="ctr"/>
+            <a:r>
+              <a:rPr lang="ko-KR" altLang="en-US" sz="1600" dirty="0">
+                <a:solidFill>
+                  <a:schemeClr val="tx1">
+                    <a:lumMod val="85000"/>
+                    <a:lumOff val="15000"/>
+                  </a:schemeClr>
+                </a:solidFill>
+                <a:latin typeface="Sandoll 초록우산어린이" panose="020B0600000101010101" pitchFamily="34" charset="-127"/>
+                <a:ea typeface="Sandoll 초록우산어린이" panose="020B0600000101010101" pitchFamily="34" charset="-127"/>
+              </a:rPr>
+              <a:t>전송 계층 </a:t>
+            </a:r>
+            <a:r>
+              <a:rPr lang="en-US" altLang="ko-KR" sz="1600" dirty="0">
+                <a:solidFill>
+                  <a:schemeClr val="tx1">
+                    <a:lumMod val="85000"/>
+                    <a:lumOff val="15000"/>
+                  </a:schemeClr>
+                </a:solidFill>
+                <a:latin typeface="Sandoll 초록우산어린이" panose="020B0600000101010101" pitchFamily="34" charset="-127"/>
+                <a:ea typeface="Sandoll 초록우산어린이" panose="020B0600000101010101" pitchFamily="34" charset="-127"/>
+              </a:rPr>
+              <a:t>(Transport Layer)</a:t>
+            </a:r>
+            <a:endParaRPr lang="ko-KR" altLang="en-US" sz="1600" dirty="0">
+              <a:solidFill>
+                <a:schemeClr val="tx1">
+                  <a:lumMod val="85000"/>
+                  <a:lumOff val="15000"/>
+                </a:schemeClr>
+              </a:solidFill>
+              <a:latin typeface="Sandoll 초록우산어린이" panose="020B0600000101010101" pitchFamily="34" charset="-127"/>
+              <a:ea typeface="Sandoll 초록우산어린이" panose="020B0600000101010101" pitchFamily="34" charset="-127"/>
+            </a:endParaRPr>
+          </a:p>
+        </p:txBody>
+      </p:sp>
+      <p:sp>
+        <p:nvSpPr>
+          <p:cNvPr id="12" name="사각형: 둥근 모서리 11">
+            <a:extLst>
+              <a:ext uri="{FF2B5EF4-FFF2-40B4-BE49-F238E27FC236}">
+                <a16:creationId xmlns:a16="http://schemas.microsoft.com/office/drawing/2014/main" id="{E4A56326-1FE5-6227-45FB-9B665B7848BC}"/>
+              </a:ext>
+            </a:extLst>
+          </p:cNvPr>
+          <p:cNvSpPr/>
+          <p:nvPr/>
+        </p:nvSpPr>
+        <p:spPr>
+          <a:xfrm>
+            <a:off x="8499566" y="2333897"/>
+            <a:ext cx="3187337" cy="504702"/>
+          </a:xfrm>
+          <a:prstGeom prst="roundRect">
+            <a:avLst/>
+          </a:prstGeom>
+          <a:solidFill>
+            <a:srgbClr val="FCFCBF"/>
+          </a:solidFill>
+          <a:ln>
+            <a:noFill/>
+          </a:ln>
+          <a:effectLst>
+            <a:outerShdw blurRad="50800" dist="38100" dir="2700000" algn="tl" rotWithShape="0">
+              <a:prstClr val="black">
+                <a:alpha val="40000"/>
+              </a:prstClr>
+            </a:outerShdw>
+          </a:effectLst>
+        </p:spPr>
+        <p:style>
+          <a:lnRef idx="2">
+            <a:schemeClr val="accent1">
+              <a:shade val="50000"/>
+            </a:schemeClr>
+          </a:lnRef>
+          <a:fillRef idx="1">
+            <a:schemeClr val="accent1"/>
+          </a:fillRef>
+          <a:effectRef idx="0">
+            <a:schemeClr val="accent1"/>
+          </a:effectRef>
+          <a:fontRef idx="minor">
+            <a:schemeClr val="lt1"/>
+          </a:fontRef>
+        </p:style>
+        <p:txBody>
+          <a:bodyPr rtlCol="0" anchor="ctr"/>
+          <a:lstStyle/>
+          <a:p>
+            <a:pPr algn="ctr"/>
+            <a:r>
+              <a:rPr lang="ko-KR" altLang="en-US" sz="1600" dirty="0">
+                <a:solidFill>
+                  <a:schemeClr val="tx1">
+                    <a:lumMod val="85000"/>
+                    <a:lumOff val="15000"/>
+                  </a:schemeClr>
+                </a:solidFill>
+                <a:latin typeface="Sandoll 초록우산어린이" panose="020B0600000101010101" pitchFamily="34" charset="-127"/>
+                <a:ea typeface="Sandoll 초록우산어린이" panose="020B0600000101010101" pitchFamily="34" charset="-127"/>
+              </a:rPr>
+              <a:t>세션 계층 </a:t>
+            </a:r>
+            <a:r>
+              <a:rPr lang="en-US" altLang="ko-KR" sz="1600" dirty="0">
+                <a:solidFill>
+                  <a:schemeClr val="tx1">
+                    <a:lumMod val="85000"/>
+                    <a:lumOff val="15000"/>
+                  </a:schemeClr>
+                </a:solidFill>
+                <a:latin typeface="Sandoll 초록우산어린이" panose="020B0600000101010101" pitchFamily="34" charset="-127"/>
+                <a:ea typeface="Sandoll 초록우산어린이" panose="020B0600000101010101" pitchFamily="34" charset="-127"/>
+              </a:rPr>
+              <a:t>(Session Layer)</a:t>
+            </a:r>
+            <a:endParaRPr lang="ko-KR" altLang="en-US" sz="1600" dirty="0">
+              <a:solidFill>
+                <a:schemeClr val="tx1">
+                  <a:lumMod val="85000"/>
+                  <a:lumOff val="15000"/>
+                </a:schemeClr>
+              </a:solidFill>
+              <a:latin typeface="Sandoll 초록우산어린이" panose="020B0600000101010101" pitchFamily="34" charset="-127"/>
+              <a:ea typeface="Sandoll 초록우산어린이" panose="020B0600000101010101" pitchFamily="34" charset="-127"/>
+            </a:endParaRPr>
+          </a:p>
+        </p:txBody>
+      </p:sp>
+      <p:sp>
+        <p:nvSpPr>
+          <p:cNvPr id="14" name="사각형: 둥근 모서리 13">
+            <a:extLst>
+              <a:ext uri="{FF2B5EF4-FFF2-40B4-BE49-F238E27FC236}">
+                <a16:creationId xmlns:a16="http://schemas.microsoft.com/office/drawing/2014/main" id="{78291295-CDCD-712D-6CEB-CA28782DB50F}"/>
+              </a:ext>
+            </a:extLst>
+          </p:cNvPr>
+          <p:cNvSpPr/>
+          <p:nvPr/>
+        </p:nvSpPr>
+        <p:spPr>
+          <a:xfrm>
+            <a:off x="8499566" y="592183"/>
+            <a:ext cx="3187337" cy="504702"/>
+          </a:xfrm>
+          <a:prstGeom prst="roundRect">
+            <a:avLst/>
+          </a:prstGeom>
+          <a:solidFill>
+            <a:srgbClr val="FAB2B2"/>
+          </a:solidFill>
+          <a:ln>
+            <a:noFill/>
+          </a:ln>
+          <a:effectLst>
+            <a:outerShdw blurRad="50800" dist="38100" dir="2700000" algn="tl" rotWithShape="0">
+              <a:prstClr val="black">
+                <a:alpha val="40000"/>
+              </a:prstClr>
+            </a:outerShdw>
+          </a:effectLst>
+        </p:spPr>
+        <p:style>
+          <a:lnRef idx="2">
+            <a:schemeClr val="accent1">
+              <a:shade val="50000"/>
+            </a:schemeClr>
+          </a:lnRef>
+          <a:fillRef idx="1">
+            <a:schemeClr val="accent1"/>
+          </a:fillRef>
+          <a:effectRef idx="0">
+            <a:schemeClr val="accent1"/>
+          </a:effectRef>
+          <a:fontRef idx="minor">
+            <a:schemeClr val="lt1"/>
+          </a:fontRef>
+        </p:style>
+        <p:txBody>
+          <a:bodyPr rtlCol="0" anchor="ctr"/>
+          <a:lstStyle/>
+          <a:p>
+            <a:pPr algn="ctr"/>
+            <a:r>
+              <a:rPr lang="ko-KR" altLang="en-US" sz="1600" dirty="0">
+                <a:solidFill>
+                  <a:schemeClr val="tx1">
+                    <a:lumMod val="85000"/>
+                    <a:lumOff val="15000"/>
+                  </a:schemeClr>
+                </a:solidFill>
+                <a:latin typeface="Sandoll 초록우산어린이" panose="020B0600000101010101" pitchFamily="34" charset="-127"/>
+                <a:ea typeface="Sandoll 초록우산어린이" panose="020B0600000101010101" pitchFamily="34" charset="-127"/>
+              </a:rPr>
+              <a:t>응용 계층 </a:t>
+            </a:r>
+            <a:r>
+              <a:rPr lang="en-US" altLang="ko-KR" sz="1600" dirty="0">
+                <a:solidFill>
+                  <a:schemeClr val="tx1">
+                    <a:lumMod val="85000"/>
+                    <a:lumOff val="15000"/>
+                  </a:schemeClr>
+                </a:solidFill>
+                <a:latin typeface="Sandoll 초록우산어린이" panose="020B0600000101010101" pitchFamily="34" charset="-127"/>
+                <a:ea typeface="Sandoll 초록우산어린이" panose="020B0600000101010101" pitchFamily="34" charset="-127"/>
+              </a:rPr>
+              <a:t>(Application Layer)</a:t>
+            </a:r>
+            <a:endParaRPr lang="ko-KR" altLang="en-US" sz="1600" dirty="0">
+              <a:solidFill>
+                <a:schemeClr val="tx1">
+                  <a:lumMod val="85000"/>
+                  <a:lumOff val="15000"/>
+                </a:schemeClr>
+              </a:solidFill>
+              <a:latin typeface="Sandoll 초록우산어린이" panose="020B0600000101010101" pitchFamily="34" charset="-127"/>
+              <a:ea typeface="Sandoll 초록우산어린이" panose="020B0600000101010101" pitchFamily="34" charset="-127"/>
+            </a:endParaRPr>
+          </a:p>
+        </p:txBody>
+      </p:sp>
+      <p:sp>
+        <p:nvSpPr>
+          <p:cNvPr id="16" name="사각형: 둥근 모서리 15">
+            <a:extLst>
+              <a:ext uri="{FF2B5EF4-FFF2-40B4-BE49-F238E27FC236}">
+                <a16:creationId xmlns:a16="http://schemas.microsoft.com/office/drawing/2014/main" id="{92F5E18A-D637-D260-DC7A-8C627467F45D}"/>
+              </a:ext>
+            </a:extLst>
+          </p:cNvPr>
+          <p:cNvSpPr/>
+          <p:nvPr/>
+        </p:nvSpPr>
+        <p:spPr>
+          <a:xfrm>
+            <a:off x="8499566" y="1463040"/>
+            <a:ext cx="3187337" cy="504702"/>
+          </a:xfrm>
+          <a:prstGeom prst="roundRect">
+            <a:avLst/>
+          </a:prstGeom>
+          <a:solidFill>
+            <a:srgbClr val="FACEA1"/>
+          </a:solidFill>
+          <a:ln>
+            <a:noFill/>
+          </a:ln>
+          <a:effectLst>
+            <a:outerShdw blurRad="50800" dist="38100" dir="2700000" algn="tl" rotWithShape="0">
+              <a:prstClr val="black">
+                <a:alpha val="40000"/>
+              </a:prstClr>
+            </a:outerShdw>
+          </a:effectLst>
+        </p:spPr>
+        <p:style>
+          <a:lnRef idx="2">
+            <a:schemeClr val="accent1">
+              <a:shade val="50000"/>
+            </a:schemeClr>
+          </a:lnRef>
+          <a:fillRef idx="1">
+            <a:schemeClr val="accent1"/>
+          </a:fillRef>
+          <a:effectRef idx="0">
+            <a:schemeClr val="accent1"/>
+          </a:effectRef>
+          <a:fontRef idx="minor">
+            <a:schemeClr val="lt1"/>
+          </a:fontRef>
+        </p:style>
+        <p:txBody>
+          <a:bodyPr rtlCol="0" anchor="ctr"/>
+          <a:lstStyle/>
+          <a:p>
+            <a:pPr algn="ctr"/>
+            <a:r>
+              <a:rPr lang="ko-KR" altLang="en-US" sz="1600" dirty="0">
+                <a:solidFill>
+                  <a:schemeClr val="tx1">
+                    <a:lumMod val="85000"/>
+                    <a:lumOff val="15000"/>
+                  </a:schemeClr>
+                </a:solidFill>
+                <a:latin typeface="Sandoll 초록우산어린이" panose="020B0600000101010101" pitchFamily="34" charset="-127"/>
+                <a:ea typeface="Sandoll 초록우산어린이" panose="020B0600000101010101" pitchFamily="34" charset="-127"/>
+              </a:rPr>
+              <a:t>표현 계층</a:t>
+            </a:r>
+            <a:r>
+              <a:rPr lang="en-US" altLang="ko-KR" sz="1600" dirty="0">
+                <a:solidFill>
+                  <a:schemeClr val="tx1">
+                    <a:lumMod val="85000"/>
+                    <a:lumOff val="15000"/>
+                  </a:schemeClr>
+                </a:solidFill>
+                <a:latin typeface="Sandoll 초록우산어린이" panose="020B0600000101010101" pitchFamily="34" charset="-127"/>
+                <a:ea typeface="Sandoll 초록우산어린이" panose="020B0600000101010101" pitchFamily="34" charset="-127"/>
+              </a:rPr>
+              <a:t> (Presentation Layer)</a:t>
+            </a:r>
+            <a:endParaRPr lang="ko-KR" altLang="en-US" sz="1600" dirty="0">
+              <a:solidFill>
+                <a:schemeClr val="tx1">
+                  <a:lumMod val="85000"/>
+                  <a:lumOff val="15000"/>
+                </a:schemeClr>
+              </a:solidFill>
+              <a:latin typeface="Sandoll 초록우산어린이" panose="020B0600000101010101" pitchFamily="34" charset="-127"/>
+              <a:ea typeface="Sandoll 초록우산어린이" panose="020B0600000101010101" pitchFamily="34" charset="-127"/>
+            </a:endParaRPr>
+          </a:p>
+        </p:txBody>
+      </p:sp>
+      <p:cxnSp>
+        <p:nvCxnSpPr>
+          <p:cNvPr id="18" name="직선 연결선 17">
+            <a:extLst>
+              <a:ext uri="{FF2B5EF4-FFF2-40B4-BE49-F238E27FC236}">
+                <a16:creationId xmlns:a16="http://schemas.microsoft.com/office/drawing/2014/main" id="{93AED57E-DA7C-DCC3-5F38-BFDB8CD06281}"/>
+              </a:ext>
+            </a:extLst>
+          </p:cNvPr>
+          <p:cNvCxnSpPr>
+            <a:cxnSpLocks/>
+          </p:cNvCxnSpPr>
+          <p:nvPr/>
+        </p:nvCxnSpPr>
+        <p:spPr>
+          <a:xfrm flipV="1">
+            <a:off x="8010253" y="1589735"/>
+            <a:ext cx="0" cy="4239441"/>
+          </a:xfrm>
+          <a:prstGeom prst="line">
+            <a:avLst/>
+          </a:prstGeom>
+          <a:ln w="38100" cap="rnd">
+            <a:solidFill>
+              <a:schemeClr val="bg1">
+                <a:lumMod val="95000"/>
+              </a:schemeClr>
+            </a:solidFill>
+          </a:ln>
+        </p:spPr>
+        <p:style>
+          <a:lnRef idx="1">
+            <a:schemeClr val="accent1"/>
+          </a:lnRef>
+          <a:fillRef idx="0">
+            <a:schemeClr val="accent1"/>
+          </a:fillRef>
+          <a:effectRef idx="0">
+            <a:schemeClr val="accent1"/>
+          </a:effectRef>
+          <a:fontRef idx="minor">
+            <a:schemeClr val="tx1"/>
+          </a:fontRef>
+        </p:style>
+      </p:cxnSp>
       <p:sp>
         <p:nvSpPr>
           <p:cNvPr id="23" name="사각형: 둥근 모서리 22">
@@ -14779,126 +14740,105 @@
           </a:p>
         </p:txBody>
       </p:sp>
-      <p:grpSp>
-        <p:nvGrpSpPr>
-          <p:cNvPr id="40" name="그룹 39">
+      <p:sp>
+        <p:nvSpPr>
+          <p:cNvPr id="15" name="직사각형 14">
             <a:extLst>
               <a:ext uri="{FF2B5EF4-FFF2-40B4-BE49-F238E27FC236}">
-                <a16:creationId xmlns:a16="http://schemas.microsoft.com/office/drawing/2014/main" id="{D95F70D7-9DFA-9B14-D2D5-D80BC18B9CA9}"/>
+                <a16:creationId xmlns:a16="http://schemas.microsoft.com/office/drawing/2014/main" id="{D6F8B938-3D3D-EB2E-E20F-787DB17C1BA2}"/>
               </a:ext>
             </a:extLst>
           </p:cNvPr>
-          <p:cNvGrpSpPr/>
+          <p:cNvSpPr/>
           <p:nvPr/>
-        </p:nvGrpSpPr>
-        <p:grpSpPr>
+        </p:nvSpPr>
+        <p:spPr>
           <a:xfrm>
-            <a:off x="8327923" y="110122"/>
-            <a:ext cx="3539610" cy="2869051"/>
-            <a:chOff x="8327923" y="110123"/>
-            <a:chExt cx="3539610" cy="1127460"/>
+            <a:off x="8327923" y="490818"/>
+            <a:ext cx="3539610" cy="767711"/>
           </a:xfrm>
-        </p:grpSpPr>
-        <p:sp>
-          <p:nvSpPr>
-            <p:cNvPr id="41" name="직사각형 40">
-              <a:extLst>
-                <a:ext uri="{FF2B5EF4-FFF2-40B4-BE49-F238E27FC236}">
-                  <a16:creationId xmlns:a16="http://schemas.microsoft.com/office/drawing/2014/main" id="{013C26C5-E0A3-01B5-7E71-73BBAB50AEE4}"/>
-                </a:ext>
-              </a:extLst>
-            </p:cNvPr>
-            <p:cNvSpPr/>
-            <p:nvPr/>
-          </p:nvSpPr>
-          <p:spPr>
-            <a:xfrm>
-              <a:off x="8327923" y="248447"/>
-              <a:ext cx="3539610" cy="989136"/>
-            </a:xfrm>
-            <a:prstGeom prst="rect">
-              <a:avLst/>
-            </a:prstGeom>
-            <a:noFill/>
-            <a:ln w="28575">
-              <a:solidFill>
-                <a:srgbClr val="FF0000"/>
-              </a:solidFill>
-            </a:ln>
-          </p:spPr>
-          <p:style>
-            <a:lnRef idx="2">
-              <a:schemeClr val="accent1">
-                <a:shade val="50000"/>
-              </a:schemeClr>
-            </a:lnRef>
-            <a:fillRef idx="1">
-              <a:schemeClr val="accent1"/>
-            </a:fillRef>
-            <a:effectRef idx="0">
-              <a:schemeClr val="accent1"/>
-            </a:effectRef>
-            <a:fontRef idx="minor">
-              <a:schemeClr val="lt1"/>
-            </a:fontRef>
-          </p:style>
-          <p:txBody>
-            <a:bodyPr rtlCol="0" anchor="ctr"/>
-            <a:lstStyle/>
-            <a:p>
-              <a:pPr algn="ctr"/>
-              <a:endParaRPr lang="ko-KR" altLang="en-US"/>
-            </a:p>
-          </p:txBody>
-        </p:sp>
-        <p:sp>
-          <p:nvSpPr>
-            <p:cNvPr id="42" name="TextBox 41">
-              <a:extLst>
-                <a:ext uri="{FF2B5EF4-FFF2-40B4-BE49-F238E27FC236}">
-                  <a16:creationId xmlns:a16="http://schemas.microsoft.com/office/drawing/2014/main" id="{74E3C5AF-D42C-F54C-E098-3B3AF5DE79BD}"/>
-                </a:ext>
-              </a:extLst>
-            </p:cNvPr>
-            <p:cNvSpPr txBox="1"/>
-            <p:nvPr/>
-          </p:nvSpPr>
-          <p:spPr>
-            <a:xfrm>
-              <a:off x="10701829" y="110123"/>
-              <a:ext cx="1165704" cy="369332"/>
-            </a:xfrm>
-            <a:prstGeom prst="rect">
-              <a:avLst/>
-            </a:prstGeom>
-            <a:noFill/>
-          </p:spPr>
-          <p:txBody>
-            <a:bodyPr wrap="none" rtlCol="0">
-              <a:spAutoFit/>
-            </a:bodyPr>
-            <a:lstStyle/>
-            <a:p>
-              <a:r>
-                <a:rPr lang="en-US" altLang="ko-KR" dirty="0">
-                  <a:solidFill>
-                    <a:srgbClr val="FF0000"/>
-                  </a:solidFill>
-                </a:rPr>
-                <a:t> </a:t>
-              </a:r>
-              <a:r>
-                <a:rPr lang="ko-KR" altLang="en-US" dirty="0">
-                  <a:solidFill>
-                    <a:srgbClr val="FF0000"/>
-                  </a:solidFill>
-                </a:rPr>
-                <a:t>웹 브라우저</a:t>
-              </a:r>
-            </a:p>
-          </p:txBody>
-        </p:sp>
-      </p:grpSp>
+          <a:prstGeom prst="rect">
+            <a:avLst/>
+          </a:prstGeom>
+          <a:noFill/>
+          <a:ln w="28575">
+            <a:solidFill>
+              <a:srgbClr val="FF0000"/>
+            </a:solidFill>
+          </a:ln>
+        </p:spPr>
+        <p:style>
+          <a:lnRef idx="2">
+            <a:schemeClr val="accent1">
+              <a:shade val="50000"/>
+            </a:schemeClr>
+          </a:lnRef>
+          <a:fillRef idx="1">
+            <a:schemeClr val="accent1"/>
+          </a:fillRef>
+          <a:effectRef idx="0">
+            <a:schemeClr val="accent1"/>
+          </a:effectRef>
+          <a:fontRef idx="minor">
+            <a:schemeClr val="lt1"/>
+          </a:fontRef>
+        </p:style>
+        <p:txBody>
+          <a:bodyPr rtlCol="0" anchor="ctr"/>
+          <a:lstStyle/>
+          <a:p>
+            <a:pPr algn="ctr"/>
+            <a:endParaRPr lang="ko-KR" altLang="en-US"/>
+          </a:p>
+        </p:txBody>
+      </p:sp>
+      <p:sp>
+        <p:nvSpPr>
+          <p:cNvPr id="20" name="TextBox 19">
+            <a:extLst>
+              <a:ext uri="{FF2B5EF4-FFF2-40B4-BE49-F238E27FC236}">
+                <a16:creationId xmlns:a16="http://schemas.microsoft.com/office/drawing/2014/main" id="{FA312B45-C81B-430E-291C-6CFFED25A3F3}"/>
+              </a:ext>
+            </a:extLst>
+          </p:cNvPr>
+          <p:cNvSpPr txBox="1"/>
+          <p:nvPr/>
+        </p:nvSpPr>
+        <p:spPr>
+          <a:xfrm>
+            <a:off x="10701829" y="142978"/>
+            <a:ext cx="1165704" cy="286655"/>
+          </a:xfrm>
+          <a:prstGeom prst="rect">
+            <a:avLst/>
+          </a:prstGeom>
+          <a:noFill/>
+        </p:spPr>
+        <p:txBody>
+          <a:bodyPr wrap="none" rtlCol="0">
+            <a:spAutoFit/>
+          </a:bodyPr>
+          <a:lstStyle/>
+          <a:p>
+            <a:r>
+              <a:rPr lang="en-US" altLang="ko-KR" dirty="0">
+                <a:solidFill>
+                  <a:srgbClr val="FF0000"/>
+                </a:solidFill>
+              </a:rPr>
+              <a:t> </a:t>
+            </a:r>
+            <a:r>
+              <a:rPr lang="ko-KR" altLang="en-US" dirty="0">
+                <a:solidFill>
+                  <a:srgbClr val="FF0000"/>
+                </a:solidFill>
+              </a:rPr>
+              <a:t>웹 브라우저</a:t>
+            </a:r>
+          </a:p>
+        </p:txBody>
+      </p:sp>
     </p:spTree>
     <p:extLst>
       <p:ext uri="{BB962C8B-B14F-4D97-AF65-F5344CB8AC3E}">
@@ -14909,13 +14849,13 @@
   <p:clrMapOvr>
     <a:masterClrMapping/>
   </p:clrMapOvr>
-  <mc:AlternateContent xmlns:mc="http://schemas.openxmlformats.org/markup-compatibility/2006">
-    <mc:Choice xmlns:p159="http://schemas.microsoft.com/office/powerpoint/2015/09/main" Requires="p159">
+  <mc:AlternateContent xmlns:mc="http://schemas.openxmlformats.org/markup-compatibility/2006" xmlns:p159="http://schemas.microsoft.com/office/powerpoint/2015/09/main">
+    <mc:Choice Requires="p159">
       <p:transition spd="slow">
         <p159:morph option="byObject"/>
       </p:transition>
     </mc:Choice>
-    <mc:Fallback>
+    <mc:Fallback xmlns="">
       <p:transition spd="slow">
         <p:fade/>
       </p:transition>
@@ -16030,126 +15970,105 @@
           </a:prstGeom>
         </p:spPr>
       </p:pic>
-      <p:grpSp>
-        <p:nvGrpSpPr>
-          <p:cNvPr id="17" name="그룹 16">
+      <p:sp>
+        <p:nvSpPr>
+          <p:cNvPr id="5" name="직사각형 4">
             <a:extLst>
               <a:ext uri="{FF2B5EF4-FFF2-40B4-BE49-F238E27FC236}">
-                <a16:creationId xmlns:a16="http://schemas.microsoft.com/office/drawing/2014/main" id="{9F61B6F3-E982-6397-5F04-92213423B435}"/>
+                <a16:creationId xmlns:a16="http://schemas.microsoft.com/office/drawing/2014/main" id="{F3F9CA3B-99E5-45F3-9F26-DE5CAFA64451}"/>
               </a:ext>
             </a:extLst>
           </p:cNvPr>
-          <p:cNvGrpSpPr/>
+          <p:cNvSpPr/>
           <p:nvPr/>
-        </p:nvGrpSpPr>
-        <p:grpSpPr>
+        </p:nvSpPr>
+        <p:spPr>
           <a:xfrm>
-            <a:off x="8327923" y="110122"/>
-            <a:ext cx="3539610" cy="2869051"/>
-            <a:chOff x="8327923" y="110123"/>
-            <a:chExt cx="3539610" cy="1127460"/>
+            <a:off x="8327923" y="490818"/>
+            <a:ext cx="3539610" cy="767711"/>
           </a:xfrm>
-        </p:grpSpPr>
-        <p:sp>
-          <p:nvSpPr>
-            <p:cNvPr id="19" name="직사각형 18">
-              <a:extLst>
-                <a:ext uri="{FF2B5EF4-FFF2-40B4-BE49-F238E27FC236}">
-                  <a16:creationId xmlns:a16="http://schemas.microsoft.com/office/drawing/2014/main" id="{940C5CDB-D625-F7CB-0A1A-F21F2F88FA99}"/>
-                </a:ext>
-              </a:extLst>
-            </p:cNvPr>
-            <p:cNvSpPr/>
-            <p:nvPr/>
-          </p:nvSpPr>
-          <p:spPr>
-            <a:xfrm>
-              <a:off x="8327923" y="248447"/>
-              <a:ext cx="3539610" cy="989136"/>
-            </a:xfrm>
-            <a:prstGeom prst="rect">
-              <a:avLst/>
-            </a:prstGeom>
-            <a:noFill/>
-            <a:ln w="28575">
-              <a:solidFill>
-                <a:srgbClr val="FF0000"/>
-              </a:solidFill>
-            </a:ln>
-          </p:spPr>
-          <p:style>
-            <a:lnRef idx="2">
-              <a:schemeClr val="accent1">
-                <a:shade val="50000"/>
-              </a:schemeClr>
-            </a:lnRef>
-            <a:fillRef idx="1">
-              <a:schemeClr val="accent1"/>
-            </a:fillRef>
-            <a:effectRef idx="0">
-              <a:schemeClr val="accent1"/>
-            </a:effectRef>
-            <a:fontRef idx="minor">
-              <a:schemeClr val="lt1"/>
-            </a:fontRef>
-          </p:style>
-          <p:txBody>
-            <a:bodyPr rtlCol="0" anchor="ctr"/>
-            <a:lstStyle/>
-            <a:p>
-              <a:pPr algn="ctr"/>
-              <a:endParaRPr lang="ko-KR" altLang="en-US"/>
-            </a:p>
-          </p:txBody>
-        </p:sp>
-        <p:sp>
-          <p:nvSpPr>
-            <p:cNvPr id="20" name="TextBox 19">
-              <a:extLst>
-                <a:ext uri="{FF2B5EF4-FFF2-40B4-BE49-F238E27FC236}">
-                  <a16:creationId xmlns:a16="http://schemas.microsoft.com/office/drawing/2014/main" id="{F4F10CA0-F56C-7EB6-1DD9-B5E039270E1F}"/>
-                </a:ext>
-              </a:extLst>
-            </p:cNvPr>
-            <p:cNvSpPr txBox="1"/>
-            <p:nvPr/>
-          </p:nvSpPr>
-          <p:spPr>
-            <a:xfrm>
-              <a:off x="10701829" y="110123"/>
-              <a:ext cx="1165704" cy="369332"/>
-            </a:xfrm>
-            <a:prstGeom prst="rect">
-              <a:avLst/>
-            </a:prstGeom>
-            <a:noFill/>
-          </p:spPr>
-          <p:txBody>
-            <a:bodyPr wrap="none" rtlCol="0">
-              <a:spAutoFit/>
-            </a:bodyPr>
-            <a:lstStyle/>
-            <a:p>
-              <a:r>
-                <a:rPr lang="en-US" altLang="ko-KR" dirty="0">
-                  <a:solidFill>
-                    <a:srgbClr val="FF0000"/>
-                  </a:solidFill>
-                </a:rPr>
-                <a:t> </a:t>
-              </a:r>
-              <a:r>
-                <a:rPr lang="ko-KR" altLang="en-US" dirty="0">
-                  <a:solidFill>
-                    <a:srgbClr val="FF0000"/>
-                  </a:solidFill>
-                </a:rPr>
-                <a:t>웹 브라우저</a:t>
-              </a:r>
-            </a:p>
-          </p:txBody>
-        </p:sp>
-      </p:grpSp>
+          <a:prstGeom prst="rect">
+            <a:avLst/>
+          </a:prstGeom>
+          <a:noFill/>
+          <a:ln w="28575">
+            <a:solidFill>
+              <a:srgbClr val="FF0000"/>
+            </a:solidFill>
+          </a:ln>
+        </p:spPr>
+        <p:style>
+          <a:lnRef idx="2">
+            <a:schemeClr val="accent1">
+              <a:shade val="50000"/>
+            </a:schemeClr>
+          </a:lnRef>
+          <a:fillRef idx="1">
+            <a:schemeClr val="accent1"/>
+          </a:fillRef>
+          <a:effectRef idx="0">
+            <a:schemeClr val="accent1"/>
+          </a:effectRef>
+          <a:fontRef idx="minor">
+            <a:schemeClr val="lt1"/>
+          </a:fontRef>
+        </p:style>
+        <p:txBody>
+          <a:bodyPr rtlCol="0" anchor="ctr"/>
+          <a:lstStyle/>
+          <a:p>
+            <a:pPr algn="ctr"/>
+            <a:endParaRPr lang="ko-KR" altLang="en-US"/>
+          </a:p>
+        </p:txBody>
+      </p:sp>
+      <p:sp>
+        <p:nvSpPr>
+          <p:cNvPr id="9" name="TextBox 8">
+            <a:extLst>
+              <a:ext uri="{FF2B5EF4-FFF2-40B4-BE49-F238E27FC236}">
+                <a16:creationId xmlns:a16="http://schemas.microsoft.com/office/drawing/2014/main" id="{A4B305D8-F16A-4905-79D7-E0259AEBBFB2}"/>
+              </a:ext>
+            </a:extLst>
+          </p:cNvPr>
+          <p:cNvSpPr txBox="1"/>
+          <p:nvPr/>
+        </p:nvSpPr>
+        <p:spPr>
+          <a:xfrm>
+            <a:off x="10701829" y="142978"/>
+            <a:ext cx="1165704" cy="286655"/>
+          </a:xfrm>
+          <a:prstGeom prst="rect">
+            <a:avLst/>
+          </a:prstGeom>
+          <a:noFill/>
+        </p:spPr>
+        <p:txBody>
+          <a:bodyPr wrap="none" rtlCol="0">
+            <a:spAutoFit/>
+          </a:bodyPr>
+          <a:lstStyle/>
+          <a:p>
+            <a:r>
+              <a:rPr lang="en-US" altLang="ko-KR" dirty="0">
+                <a:solidFill>
+                  <a:srgbClr val="FF0000"/>
+                </a:solidFill>
+              </a:rPr>
+              <a:t> </a:t>
+            </a:r>
+            <a:r>
+              <a:rPr lang="ko-KR" altLang="en-US" dirty="0">
+                <a:solidFill>
+                  <a:srgbClr val="FF0000"/>
+                </a:solidFill>
+              </a:rPr>
+              <a:t>웹 브라우저</a:t>
+            </a:r>
+          </a:p>
+        </p:txBody>
+      </p:sp>
     </p:spTree>
     <p:extLst>
       <p:ext uri="{BB962C8B-B14F-4D97-AF65-F5344CB8AC3E}">
@@ -16160,13 +16079,13 @@
   <p:clrMapOvr>
     <a:masterClrMapping/>
   </p:clrMapOvr>
-  <mc:AlternateContent xmlns:mc="http://schemas.openxmlformats.org/markup-compatibility/2006">
-    <mc:Choice xmlns:p159="http://schemas.microsoft.com/office/powerpoint/2015/09/main" Requires="p159">
+  <mc:AlternateContent xmlns:mc="http://schemas.openxmlformats.org/markup-compatibility/2006" xmlns:p159="http://schemas.microsoft.com/office/powerpoint/2015/09/main">
+    <mc:Choice Requires="p159">
       <p:transition spd="slow">
         <p159:morph option="byObject"/>
       </p:transition>
     </mc:Choice>
-    <mc:Fallback>
+    <mc:Fallback xmlns="">
       <p:transition spd="slow">
         <p:fade/>
       </p:transition>
@@ -17716,126 +17635,105 @@
           </a:p>
         </p:txBody>
       </p:sp>
-      <p:grpSp>
-        <p:nvGrpSpPr>
-          <p:cNvPr id="2" name="그룹 1">
+      <p:sp>
+        <p:nvSpPr>
+          <p:cNvPr id="11" name="직사각형 10">
             <a:extLst>
               <a:ext uri="{FF2B5EF4-FFF2-40B4-BE49-F238E27FC236}">
-                <a16:creationId xmlns:a16="http://schemas.microsoft.com/office/drawing/2014/main" id="{8BD943E6-8813-8CC1-A79C-DE3B8101A480}"/>
+                <a16:creationId xmlns:a16="http://schemas.microsoft.com/office/drawing/2014/main" id="{1F17FBAD-82BE-AE3C-D9C5-A676F094146E}"/>
               </a:ext>
             </a:extLst>
           </p:cNvPr>
-          <p:cNvGrpSpPr/>
+          <p:cNvSpPr/>
           <p:nvPr/>
-        </p:nvGrpSpPr>
-        <p:grpSpPr>
+        </p:nvSpPr>
+        <p:spPr>
           <a:xfrm>
-            <a:off x="8327923" y="110122"/>
-            <a:ext cx="3539610" cy="2869051"/>
-            <a:chOff x="8327923" y="110123"/>
-            <a:chExt cx="3539610" cy="1127460"/>
+            <a:off x="8327923" y="490818"/>
+            <a:ext cx="3539610" cy="767711"/>
           </a:xfrm>
-        </p:grpSpPr>
-        <p:sp>
-          <p:nvSpPr>
-            <p:cNvPr id="5" name="직사각형 4">
-              <a:extLst>
-                <a:ext uri="{FF2B5EF4-FFF2-40B4-BE49-F238E27FC236}">
-                  <a16:creationId xmlns:a16="http://schemas.microsoft.com/office/drawing/2014/main" id="{36FE95D4-01D5-9ACD-A945-D87B808DE384}"/>
-                </a:ext>
-              </a:extLst>
-            </p:cNvPr>
-            <p:cNvSpPr/>
-            <p:nvPr/>
-          </p:nvSpPr>
-          <p:spPr>
-            <a:xfrm>
-              <a:off x="8327923" y="248447"/>
-              <a:ext cx="3539610" cy="989136"/>
-            </a:xfrm>
-            <a:prstGeom prst="rect">
-              <a:avLst/>
-            </a:prstGeom>
-            <a:noFill/>
-            <a:ln w="28575">
-              <a:solidFill>
-                <a:srgbClr val="FF0000"/>
-              </a:solidFill>
-            </a:ln>
-          </p:spPr>
-          <p:style>
-            <a:lnRef idx="2">
-              <a:schemeClr val="accent1">
-                <a:shade val="50000"/>
-              </a:schemeClr>
-            </a:lnRef>
-            <a:fillRef idx="1">
-              <a:schemeClr val="accent1"/>
-            </a:fillRef>
-            <a:effectRef idx="0">
-              <a:schemeClr val="accent1"/>
-            </a:effectRef>
-            <a:fontRef idx="minor">
-              <a:schemeClr val="lt1"/>
-            </a:fontRef>
-          </p:style>
-          <p:txBody>
-            <a:bodyPr rtlCol="0" anchor="ctr"/>
-            <a:lstStyle/>
-            <a:p>
-              <a:pPr algn="ctr"/>
-              <a:endParaRPr lang="ko-KR" altLang="en-US"/>
-            </a:p>
-          </p:txBody>
-        </p:sp>
-        <p:sp>
-          <p:nvSpPr>
-            <p:cNvPr id="7" name="TextBox 6">
-              <a:extLst>
-                <a:ext uri="{FF2B5EF4-FFF2-40B4-BE49-F238E27FC236}">
-                  <a16:creationId xmlns:a16="http://schemas.microsoft.com/office/drawing/2014/main" id="{FA930164-C2B9-A50F-AF96-4506BB474355}"/>
-                </a:ext>
-              </a:extLst>
-            </p:cNvPr>
-            <p:cNvSpPr txBox="1"/>
-            <p:nvPr/>
-          </p:nvSpPr>
-          <p:spPr>
-            <a:xfrm>
-              <a:off x="10701829" y="110123"/>
-              <a:ext cx="1165704" cy="369332"/>
-            </a:xfrm>
-            <a:prstGeom prst="rect">
-              <a:avLst/>
-            </a:prstGeom>
-            <a:noFill/>
-          </p:spPr>
-          <p:txBody>
-            <a:bodyPr wrap="none" rtlCol="0">
-              <a:spAutoFit/>
-            </a:bodyPr>
-            <a:lstStyle/>
-            <a:p>
-              <a:r>
-                <a:rPr lang="en-US" altLang="ko-KR" dirty="0">
-                  <a:solidFill>
-                    <a:srgbClr val="FF0000"/>
-                  </a:solidFill>
-                </a:rPr>
-                <a:t> </a:t>
-              </a:r>
-              <a:r>
-                <a:rPr lang="ko-KR" altLang="en-US" dirty="0">
-                  <a:solidFill>
-                    <a:srgbClr val="FF0000"/>
-                  </a:solidFill>
-                </a:rPr>
-                <a:t>웹 브라우저</a:t>
-              </a:r>
-            </a:p>
-          </p:txBody>
-        </p:sp>
-      </p:grpSp>
+          <a:prstGeom prst="rect">
+            <a:avLst/>
+          </a:prstGeom>
+          <a:noFill/>
+          <a:ln w="28575">
+            <a:solidFill>
+              <a:srgbClr val="FF0000"/>
+            </a:solidFill>
+          </a:ln>
+        </p:spPr>
+        <p:style>
+          <a:lnRef idx="2">
+            <a:schemeClr val="accent1">
+              <a:shade val="50000"/>
+            </a:schemeClr>
+          </a:lnRef>
+          <a:fillRef idx="1">
+            <a:schemeClr val="accent1"/>
+          </a:fillRef>
+          <a:effectRef idx="0">
+            <a:schemeClr val="accent1"/>
+          </a:effectRef>
+          <a:fontRef idx="minor">
+            <a:schemeClr val="lt1"/>
+          </a:fontRef>
+        </p:style>
+        <p:txBody>
+          <a:bodyPr rtlCol="0" anchor="ctr"/>
+          <a:lstStyle/>
+          <a:p>
+            <a:pPr algn="ctr"/>
+            <a:endParaRPr lang="ko-KR" altLang="en-US"/>
+          </a:p>
+        </p:txBody>
+      </p:sp>
+      <p:sp>
+        <p:nvSpPr>
+          <p:cNvPr id="15" name="TextBox 14">
+            <a:extLst>
+              <a:ext uri="{FF2B5EF4-FFF2-40B4-BE49-F238E27FC236}">
+                <a16:creationId xmlns:a16="http://schemas.microsoft.com/office/drawing/2014/main" id="{6DFDD993-7652-C7C4-295F-558CCE428A04}"/>
+              </a:ext>
+            </a:extLst>
+          </p:cNvPr>
+          <p:cNvSpPr txBox="1"/>
+          <p:nvPr/>
+        </p:nvSpPr>
+        <p:spPr>
+          <a:xfrm>
+            <a:off x="10701829" y="142978"/>
+            <a:ext cx="1165704" cy="286655"/>
+          </a:xfrm>
+          <a:prstGeom prst="rect">
+            <a:avLst/>
+          </a:prstGeom>
+          <a:noFill/>
+        </p:spPr>
+        <p:txBody>
+          <a:bodyPr wrap="none" rtlCol="0">
+            <a:spAutoFit/>
+          </a:bodyPr>
+          <a:lstStyle/>
+          <a:p>
+            <a:r>
+              <a:rPr lang="en-US" altLang="ko-KR" dirty="0">
+                <a:solidFill>
+                  <a:srgbClr val="FF0000"/>
+                </a:solidFill>
+              </a:rPr>
+              <a:t> </a:t>
+            </a:r>
+            <a:r>
+              <a:rPr lang="ko-KR" altLang="en-US" dirty="0">
+                <a:solidFill>
+                  <a:srgbClr val="FF0000"/>
+                </a:solidFill>
+              </a:rPr>
+              <a:t>웹 브라우저</a:t>
+            </a:r>
+          </a:p>
+        </p:txBody>
+      </p:sp>
     </p:spTree>
     <p:extLst>
       <p:ext uri="{BB962C8B-B14F-4D97-AF65-F5344CB8AC3E}">
@@ -17846,13 +17744,13 @@
   <p:clrMapOvr>
     <a:masterClrMapping/>
   </p:clrMapOvr>
-  <mc:AlternateContent xmlns:mc="http://schemas.openxmlformats.org/markup-compatibility/2006">
-    <mc:Choice xmlns:p159="http://schemas.microsoft.com/office/powerpoint/2015/09/main" Requires="p159">
+  <mc:AlternateContent xmlns:mc="http://schemas.openxmlformats.org/markup-compatibility/2006" xmlns:p159="http://schemas.microsoft.com/office/powerpoint/2015/09/main">
+    <mc:Choice Requires="p159">
       <p:transition spd="slow">
         <p159:morph option="byObject"/>
       </p:transition>
     </mc:Choice>
-    <mc:Fallback>
+    <mc:Fallback xmlns="">
       <p:transition spd="slow">
         <p:fade/>
       </p:transition>
@@ -18595,7 +18493,7 @@
         </p:nvSpPr>
         <p:spPr>
           <a:xfrm>
-            <a:off x="3003076" y="727553"/>
+            <a:off x="3022740" y="727553"/>
             <a:ext cx="2733441" cy="369332"/>
           </a:xfrm>
           <a:prstGeom prst="rect">
@@ -19435,13 +19333,13 @@
   <p:clrMapOvr>
     <a:masterClrMapping/>
   </p:clrMapOvr>
-  <mc:AlternateContent xmlns:mc="http://schemas.openxmlformats.org/markup-compatibility/2006">
-    <mc:Choice xmlns:p159="http://schemas.microsoft.com/office/powerpoint/2015/09/main" Requires="p159">
+  <mc:AlternateContent xmlns:mc="http://schemas.openxmlformats.org/markup-compatibility/2006" xmlns:p159="http://schemas.microsoft.com/office/powerpoint/2015/09/main">
+    <mc:Choice Requires="p159">
       <p:transition spd="slow">
         <p159:morph option="byObject"/>
       </p:transition>
     </mc:Choice>
-    <mc:Fallback>
+    <mc:Fallback xmlns="">
       <p:transition spd="slow">
         <p:fade/>
       </p:transition>
